--- a/AWP PPT - PHP.pptx
+++ b/AWP PPT - PHP.pptx
@@ -290,7 +290,7 @@
             <a:fld id="{A7B1724D-A50F-4C38-8BDE-920DAD4008EA}" type="datetimeFigureOut">
               <a:rPr lang="en-US" smtClean="0"/>
               <a:pPr/>
-              <a:t>7/14/2018</a:t>
+              <a:t>7/16/2018</a:t>
             </a:fld>
             <a:endParaRPr lang="en-US"/>
           </a:p>
@@ -8379,16 +8379,7 @@
                 </a:solidFill>
                 <a:latin typeface="Consolas" panose="020B0609020204030204" pitchFamily="49" charset="0"/>
               </a:rPr>
-              <a:t>// </a:t>
-            </a:r>
-            <a:r>
-              <a:rPr lang="en-IN" sz="2200" dirty="0">
-                <a:solidFill>
-                  <a:srgbClr val="D6E608"/>
-                </a:solidFill>
-                <a:latin typeface="Consolas" panose="020B0609020204030204" pitchFamily="49" charset="0"/>
-              </a:rPr>
-              <a:t>Code goes here</a:t>
+              <a:t>// Code goes here</a:t>
             </a:r>
           </a:p>
           <a:p>
@@ -8544,16 +8535,74 @@
                 </a:solidFill>
                 <a:latin typeface="Consolas" panose="020B0609020204030204" pitchFamily="49" charset="0"/>
               </a:rPr>
-              <a:t>// </a:t>
-            </a:r>
+              <a:t>// Code goes here</a:t>
+            </a:r>
+          </a:p>
+          <a:p>
             <a:r>
               <a:rPr lang="en-IN" sz="2200" dirty="0">
                 <a:solidFill>
+                  <a:srgbClr val="D3AF86"/>
+                </a:solidFill>
+                <a:latin typeface="Consolas" panose="020B0609020204030204" pitchFamily="49" charset="0"/>
+              </a:rPr>
+              <a:t>} </a:t>
+            </a:r>
+            <a:r>
+              <a:rPr lang="en-IN" sz="2200" dirty="0">
+                <a:solidFill>
+                  <a:srgbClr val="98676A"/>
+                </a:solidFill>
+                <a:latin typeface="Consolas" panose="020B0609020204030204" pitchFamily="49" charset="0"/>
+              </a:rPr>
+              <a:t>elseif</a:t>
+            </a:r>
+            <a:r>
+              <a:rPr lang="en-IN" sz="2200" dirty="0">
+                <a:solidFill>
+                  <a:srgbClr val="D3AF86"/>
+                </a:solidFill>
+                <a:latin typeface="Consolas" panose="020B0609020204030204" pitchFamily="49" charset="0"/>
+              </a:rPr>
+              <a:t> (</a:t>
+            </a:r>
+            <a:r>
+              <a:rPr lang="en-IN" sz="2200" dirty="0">
+                <a:solidFill>
+                  <a:srgbClr val="F79A32"/>
+                </a:solidFill>
+                <a:latin typeface="Consolas" panose="020B0609020204030204" pitchFamily="49" charset="0"/>
+              </a:rPr>
+              <a:t>condition</a:t>
+            </a:r>
+            <a:r>
+              <a:rPr lang="en-IN" sz="2200" dirty="0">
+                <a:solidFill>
+                  <a:srgbClr val="D3AF86"/>
+                </a:solidFill>
+                <a:latin typeface="Consolas" panose="020B0609020204030204" pitchFamily="49" charset="0"/>
+              </a:rPr>
+              <a:t>) {</a:t>
+            </a:r>
+          </a:p>
+          <a:p>
+            <a:r>
+              <a:rPr lang="en-IN" sz="2200" dirty="0" smtClean="0">
+                <a:solidFill>
+                  <a:srgbClr val="A57A4C"/>
+                </a:solidFill>
+                <a:latin typeface="Consolas" panose="020B0609020204030204" pitchFamily="49" charset="0"/>
+              </a:rPr>
+              <a:t>   </a:t>
+            </a:r>
+            <a:r>
+              <a:rPr lang="en-IN" sz="2200" dirty="0">
+                <a:solidFill>
                   <a:srgbClr val="D6E608"/>
                 </a:solidFill>
                 <a:latin typeface="Consolas" panose="020B0609020204030204" pitchFamily="49" charset="0"/>
               </a:rPr>
-              <a:t>Code goes here</a:t>
+              <a:t>// Code goes here</a:t>
             </a:r>
           </a:p>
           <a:p>
@@ -8573,7 +8622,7 @@
                 </a:solidFill>
                 <a:latin typeface="Consolas" panose="020B0609020204030204" pitchFamily="49" charset="0"/>
               </a:rPr>
-              <a:t>elseif</a:t>
+              <a:t>else</a:t>
             </a:r>
             <a:r>
               <a:rPr lang="en-IN" sz="2200" dirty="0">
@@ -8582,112 +8631,27 @@
                 </a:solidFill>
                 <a:latin typeface="Consolas" panose="020B0609020204030204" pitchFamily="49" charset="0"/>
               </a:rPr>
-              <a:t> (</a:t>
+              <a:t> {</a:t>
+            </a:r>
+          </a:p>
+          <a:p>
+            <a:r>
+              <a:rPr lang="en-IN" sz="2200" dirty="0" smtClean="0">
+                <a:solidFill>
+                  <a:srgbClr val="A57A4C"/>
+                </a:solidFill>
+                <a:latin typeface="Consolas" panose="020B0609020204030204" pitchFamily="49" charset="0"/>
+              </a:rPr>
+              <a:t>   </a:t>
             </a:r>
             <a:r>
               <a:rPr lang="en-IN" sz="2200" dirty="0">
                 <a:solidFill>
-                  <a:srgbClr val="F79A32"/>
-                </a:solidFill>
-                <a:latin typeface="Consolas" panose="020B0609020204030204" pitchFamily="49" charset="0"/>
-              </a:rPr>
-              <a:t>condition</a:t>
-            </a:r>
-            <a:r>
-              <a:rPr lang="en-IN" sz="2200" dirty="0">
-                <a:solidFill>
-                  <a:srgbClr val="D3AF86"/>
-                </a:solidFill>
-                <a:latin typeface="Consolas" panose="020B0609020204030204" pitchFamily="49" charset="0"/>
-              </a:rPr>
-              <a:t>) {</a:t>
-            </a:r>
-          </a:p>
-          <a:p>
-            <a:r>
-              <a:rPr lang="en-IN" sz="2200" dirty="0" smtClean="0">
-                <a:solidFill>
-                  <a:srgbClr val="A57A4C"/>
-                </a:solidFill>
-                <a:latin typeface="Consolas" panose="020B0609020204030204" pitchFamily="49" charset="0"/>
-              </a:rPr>
-              <a:t>   </a:t>
-            </a:r>
-            <a:r>
-              <a:rPr lang="en-IN" sz="2200" dirty="0">
-                <a:solidFill>
                   <a:srgbClr val="D6E608"/>
                 </a:solidFill>
                 <a:latin typeface="Consolas" panose="020B0609020204030204" pitchFamily="49" charset="0"/>
               </a:rPr>
-              <a:t>// </a:t>
-            </a:r>
-            <a:r>
-              <a:rPr lang="en-IN" sz="2200" dirty="0">
-                <a:solidFill>
-                  <a:srgbClr val="D6E608"/>
-                </a:solidFill>
-                <a:latin typeface="Consolas" panose="020B0609020204030204" pitchFamily="49" charset="0"/>
-              </a:rPr>
-              <a:t>Code goes here</a:t>
-            </a:r>
-          </a:p>
-          <a:p>
-            <a:r>
-              <a:rPr lang="en-IN" sz="2200" dirty="0">
-                <a:solidFill>
-                  <a:srgbClr val="D3AF86"/>
-                </a:solidFill>
-                <a:latin typeface="Consolas" panose="020B0609020204030204" pitchFamily="49" charset="0"/>
-              </a:rPr>
-              <a:t>} </a:t>
-            </a:r>
-            <a:r>
-              <a:rPr lang="en-IN" sz="2200" dirty="0">
-                <a:solidFill>
-                  <a:srgbClr val="98676A"/>
-                </a:solidFill>
-                <a:latin typeface="Consolas" panose="020B0609020204030204" pitchFamily="49" charset="0"/>
-              </a:rPr>
-              <a:t>else</a:t>
-            </a:r>
-            <a:r>
-              <a:rPr lang="en-IN" sz="2200" dirty="0">
-                <a:solidFill>
-                  <a:srgbClr val="D3AF86"/>
-                </a:solidFill>
-                <a:latin typeface="Consolas" panose="020B0609020204030204" pitchFamily="49" charset="0"/>
-              </a:rPr>
-              <a:t> {</a:t>
-            </a:r>
-          </a:p>
-          <a:p>
-            <a:r>
-              <a:rPr lang="en-IN" sz="2200" dirty="0" smtClean="0">
-                <a:solidFill>
-                  <a:srgbClr val="A57A4C"/>
-                </a:solidFill>
-                <a:latin typeface="Consolas" panose="020B0609020204030204" pitchFamily="49" charset="0"/>
-              </a:rPr>
-              <a:t>   </a:t>
-            </a:r>
-            <a:r>
-              <a:rPr lang="en-IN" sz="2200" dirty="0">
-                <a:solidFill>
-                  <a:srgbClr val="D6E608"/>
-                </a:solidFill>
-                <a:latin typeface="Consolas" panose="020B0609020204030204" pitchFamily="49" charset="0"/>
-              </a:rPr>
-              <a:t>// </a:t>
-            </a:r>
-            <a:r>
-              <a:rPr lang="en-IN" sz="2200" dirty="0">
-                <a:solidFill>
-                  <a:srgbClr val="D6E608"/>
-                </a:solidFill>
-                <a:latin typeface="Consolas" panose="020B0609020204030204" pitchFamily="49" charset="0"/>
-              </a:rPr>
-              <a:t>Code goes here</a:t>
+              <a:t>// Code goes here</a:t>
             </a:r>
           </a:p>
           <a:p>
@@ -14641,10 +14605,19 @@
                 </a:solidFill>
                 <a:latin typeface="Consolas" panose="020B0609020204030204" pitchFamily="49" charset="0"/>
               </a:rPr>
-              <a:t>' . '</a:t>
-            </a:r>
-            <a:r>
-              <a:rPr lang="en-IN" sz="1800" dirty="0" err="1">
+              <a:t>' . </a:t>
+            </a:r>
+            <a:r>
+              <a:rPr lang="en-IN" sz="1800" dirty="0" smtClean="0">
+                <a:solidFill>
+                  <a:srgbClr val="D3AF86"/>
+                </a:solidFill>
+                <a:latin typeface="Consolas" panose="020B0609020204030204" pitchFamily="49" charset="0"/>
+              </a:rPr>
+              <a:t>'</a:t>
+            </a:r>
+            <a:r>
+              <a:rPr lang="en-IN" sz="1800" dirty="0" smtClean="0">
                 <a:solidFill>
                   <a:srgbClr val="889B4A"/>
                 </a:solidFill>
@@ -14653,13 +14626,22 @@
               <a:t>Sudheer</a:t>
             </a:r>
             <a:r>
-              <a:rPr lang="en-IN" sz="1800" dirty="0">
-                <a:solidFill>
-                  <a:srgbClr val="D3AF86"/>
-                </a:solidFill>
-                <a:latin typeface="Consolas" panose="020B0609020204030204" pitchFamily="49" charset="0"/>
-              </a:rPr>
-              <a:t>' . '</a:t>
+              <a:rPr lang="en-IN" sz="1800" dirty="0" smtClean="0">
+                <a:solidFill>
+                  <a:srgbClr val="D3AF86"/>
+                </a:solidFill>
+                <a:latin typeface="Consolas" panose="020B0609020204030204" pitchFamily="49" charset="0"/>
+              </a:rPr>
+              <a:t>' </a:t>
+            </a:r>
+            <a:r>
+              <a:rPr lang="en-IN" sz="1800" dirty="0">
+                <a:solidFill>
+                  <a:srgbClr val="D3AF86"/>
+                </a:solidFill>
+                <a:latin typeface="Consolas" panose="020B0609020204030204" pitchFamily="49" charset="0"/>
+              </a:rPr>
+              <a:t>. '</a:t>
             </a:r>
             <a:r>
               <a:rPr lang="en-IN" sz="1800" dirty="0">
@@ -18259,8 +18241,8 @@
         </p:nvSpPr>
         <p:spPr>
           <a:xfrm>
-            <a:off x="381000" y="3456792"/>
-            <a:ext cx="3834809" cy="2031325"/>
+            <a:off x="342900" y="3456792"/>
+            <a:ext cx="3872909" cy="2031325"/>
           </a:xfrm>
           <a:prstGeom prst="rect">
             <a:avLst/>
@@ -20060,8 +20042,8 @@
         </p:nvSpPr>
         <p:spPr>
           <a:xfrm>
-            <a:off x="207817" y="2134850"/>
-            <a:ext cx="8707581" cy="1446550"/>
+            <a:off x="152400" y="2134850"/>
+            <a:ext cx="8839199" cy="1323439"/>
           </a:xfrm>
           <a:prstGeom prst="rect">
             <a:avLst/>
@@ -20074,7 +20056,7 @@
           <a:lstStyle/>
           <a:p>
             <a:r>
-              <a:rPr lang="en-IN" sz="2200" dirty="0">
+              <a:rPr lang="en-IN" sz="2000" dirty="0">
                 <a:solidFill>
                   <a:srgbClr val="98676A"/>
                 </a:solidFill>
@@ -20083,7 +20065,7 @@
               <a:t>function</a:t>
             </a:r>
             <a:r>
-              <a:rPr lang="en-IN" sz="2200" dirty="0">
+              <a:rPr lang="en-IN" sz="2000" dirty="0">
                 <a:solidFill>
                   <a:srgbClr val="D3AF86"/>
                 </a:solidFill>
@@ -20092,7 +20074,7 @@
               <a:t> </a:t>
             </a:r>
             <a:r>
-              <a:rPr lang="en-IN" sz="2200" dirty="0" smtClean="0">
+              <a:rPr lang="en-IN" sz="2000" dirty="0" smtClean="0">
                 <a:solidFill>
                   <a:srgbClr val="8AB1B0"/>
                 </a:solidFill>
@@ -20101,7 +20083,7 @@
               <a:t>fName</a:t>
             </a:r>
             <a:r>
-              <a:rPr lang="en-IN" sz="2200" dirty="0" smtClean="0">
+              <a:rPr lang="en-IN" sz="2000" dirty="0" smtClean="0">
                 <a:solidFill>
                   <a:srgbClr val="D3AF86"/>
                 </a:solidFill>
@@ -20110,7 +20092,7 @@
               <a:t> </a:t>
             </a:r>
             <a:r>
-              <a:rPr lang="en-IN" sz="2200" dirty="0">
+              <a:rPr lang="en-IN" sz="2000" dirty="0">
                 <a:solidFill>
                   <a:srgbClr val="D3AF86"/>
                 </a:solidFill>
@@ -20119,7 +20101,7 @@
               <a:t>($</a:t>
             </a:r>
             <a:r>
-              <a:rPr lang="en-IN" sz="2200" dirty="0">
+              <a:rPr lang="en-IN" sz="2000" dirty="0" smtClean="0">
                 <a:solidFill>
                   <a:srgbClr val="DC3958"/>
                 </a:solidFill>
@@ -20128,7 +20110,115 @@
               <a:t>para1</a:t>
             </a:r>
             <a:r>
-              <a:rPr lang="en-IN" sz="2200" dirty="0">
+              <a:rPr lang="en-IN" sz="2000" dirty="0" smtClean="0">
+                <a:solidFill>
+                  <a:srgbClr val="D3AF86"/>
+                </a:solidFill>
+                <a:latin typeface="Consolas" panose="020B0609020204030204" pitchFamily="49" charset="0"/>
+              </a:rPr>
+              <a:t>=</a:t>
+            </a:r>
+            <a:r>
+              <a:rPr lang="en-IN" sz="2000" dirty="0" smtClean="0">
+                <a:solidFill>
+                  <a:srgbClr val="F79A32"/>
+                </a:solidFill>
+                <a:latin typeface="Consolas" panose="020B0609020204030204" pitchFamily="49" charset="0"/>
+              </a:rPr>
+              <a:t>value</a:t>
+            </a:r>
+            <a:r>
+              <a:rPr lang="en-IN" sz="2000" dirty="0">
+                <a:solidFill>
+                  <a:srgbClr val="D3AF86"/>
+                </a:solidFill>
+                <a:latin typeface="Consolas" panose="020B0609020204030204" pitchFamily="49" charset="0"/>
+              </a:rPr>
+              <a:t>,</a:t>
+            </a:r>
+            <a:r>
+              <a:rPr lang="en-IN" sz="2000" dirty="0">
+                <a:solidFill>
+                  <a:srgbClr val="DC3958"/>
+                </a:solidFill>
+                <a:latin typeface="Consolas" panose="020B0609020204030204" pitchFamily="49" charset="0"/>
+              </a:rPr>
+              <a:t> </a:t>
+            </a:r>
+            <a:r>
+              <a:rPr lang="en-IN" sz="2000" dirty="0">
+                <a:solidFill>
+                  <a:srgbClr val="D3AF86"/>
+                </a:solidFill>
+                <a:latin typeface="Consolas" panose="020B0609020204030204" pitchFamily="49" charset="0"/>
+              </a:rPr>
+              <a:t>$</a:t>
+            </a:r>
+            <a:r>
+              <a:rPr lang="en-IN" sz="2000" dirty="0" smtClean="0">
+                <a:solidFill>
+                  <a:srgbClr val="DC3958"/>
+                </a:solidFill>
+                <a:latin typeface="Consolas" panose="020B0609020204030204" pitchFamily="49" charset="0"/>
+              </a:rPr>
+              <a:t>para2</a:t>
+            </a:r>
+            <a:r>
+              <a:rPr lang="en-IN" sz="2000" dirty="0" smtClean="0">
+                <a:solidFill>
+                  <a:srgbClr val="D3AF86"/>
+                </a:solidFill>
+                <a:latin typeface="Consolas" panose="020B0609020204030204" pitchFamily="49" charset="0"/>
+              </a:rPr>
+              <a:t>=</a:t>
+            </a:r>
+            <a:r>
+              <a:rPr lang="en-IN" sz="2000" dirty="0" smtClean="0">
+                <a:solidFill>
+                  <a:srgbClr val="F79A32"/>
+                </a:solidFill>
+                <a:latin typeface="Consolas" panose="020B0609020204030204" pitchFamily="49" charset="0"/>
+              </a:rPr>
+              <a:t>value</a:t>
+            </a:r>
+            <a:r>
+              <a:rPr lang="en-IN" sz="2000" dirty="0">
+                <a:solidFill>
+                  <a:srgbClr val="D3AF86"/>
+                </a:solidFill>
+                <a:latin typeface="Consolas" panose="020B0609020204030204" pitchFamily="49" charset="0"/>
+              </a:rPr>
+              <a:t>,</a:t>
+            </a:r>
+            <a:r>
+              <a:rPr lang="en-IN" sz="2000" dirty="0">
+                <a:solidFill>
+                  <a:srgbClr val="DC3958"/>
+                </a:solidFill>
+                <a:latin typeface="Consolas" panose="020B0609020204030204" pitchFamily="49" charset="0"/>
+              </a:rPr>
+              <a:t> </a:t>
+            </a:r>
+            <a:r>
+              <a:rPr lang="en-IN" sz="2000" dirty="0">
+                <a:solidFill>
+                  <a:srgbClr val="D3AF86"/>
+                </a:solidFill>
+                <a:latin typeface="Consolas" panose="020B0609020204030204" pitchFamily="49" charset="0"/>
+              </a:rPr>
+              <a:t>$</a:t>
+            </a:r>
+            <a:r>
+              <a:rPr lang="en-IN" sz="2000" dirty="0">
+                <a:solidFill>
+                  <a:srgbClr val="DC3958"/>
+                </a:solidFill>
+                <a:latin typeface="Consolas" panose="020B0609020204030204" pitchFamily="49" charset="0"/>
+              </a:rPr>
+              <a:t>paraN</a:t>
+            </a:r>
+            <a:r>
+              <a:rPr lang="en-IN" sz="2000" dirty="0">
                 <a:solidFill>
                   <a:srgbClr val="D3AF86"/>
                 </a:solidFill>
@@ -20137,124 +20227,16 @@
               <a:t> = </a:t>
             </a:r>
             <a:r>
-              <a:rPr lang="en-IN" sz="2200" dirty="0">
+              <a:rPr lang="en-IN" sz="2000" dirty="0">
                 <a:solidFill>
                   <a:srgbClr val="F79A32"/>
                 </a:solidFill>
                 <a:latin typeface="Consolas" panose="020B0609020204030204" pitchFamily="49" charset="0"/>
               </a:rPr>
-              <a:t>value</a:t>
-            </a:r>
-            <a:r>
-              <a:rPr lang="en-IN" sz="2200" dirty="0">
-                <a:solidFill>
-                  <a:srgbClr val="D3AF86"/>
-                </a:solidFill>
-                <a:latin typeface="Consolas" panose="020B0609020204030204" pitchFamily="49" charset="0"/>
-              </a:rPr>
-              <a:t>,</a:t>
-            </a:r>
-            <a:r>
-              <a:rPr lang="en-IN" sz="2200" dirty="0">
-                <a:solidFill>
-                  <a:srgbClr val="DC3958"/>
-                </a:solidFill>
-                <a:latin typeface="Consolas" panose="020B0609020204030204" pitchFamily="49" charset="0"/>
-              </a:rPr>
-              <a:t> </a:t>
-            </a:r>
-            <a:r>
-              <a:rPr lang="en-IN" sz="2200" dirty="0">
-                <a:solidFill>
-                  <a:srgbClr val="D3AF86"/>
-                </a:solidFill>
-                <a:latin typeface="Consolas" panose="020B0609020204030204" pitchFamily="49" charset="0"/>
-              </a:rPr>
-              <a:t>$</a:t>
-            </a:r>
-            <a:r>
-              <a:rPr lang="en-IN" sz="2200" dirty="0">
-                <a:solidFill>
-                  <a:srgbClr val="DC3958"/>
-                </a:solidFill>
-                <a:latin typeface="Consolas" panose="020B0609020204030204" pitchFamily="49" charset="0"/>
-              </a:rPr>
-              <a:t>para2</a:t>
-            </a:r>
-            <a:r>
-              <a:rPr lang="en-IN" sz="2200" dirty="0">
-                <a:solidFill>
-                  <a:srgbClr val="D3AF86"/>
-                </a:solidFill>
-                <a:latin typeface="Consolas" panose="020B0609020204030204" pitchFamily="49" charset="0"/>
-              </a:rPr>
-              <a:t> = </a:t>
-            </a:r>
-            <a:r>
-              <a:rPr lang="en-IN" sz="2200" dirty="0">
-                <a:solidFill>
-                  <a:srgbClr val="F79A32"/>
-                </a:solidFill>
-                <a:latin typeface="Consolas" panose="020B0609020204030204" pitchFamily="49" charset="0"/>
-              </a:rPr>
-              <a:t>value</a:t>
-            </a:r>
-            <a:r>
-              <a:rPr lang="en-IN" sz="2200" dirty="0">
-                <a:solidFill>
-                  <a:srgbClr val="D3AF86"/>
-                </a:solidFill>
-                <a:latin typeface="Consolas" panose="020B0609020204030204" pitchFamily="49" charset="0"/>
-              </a:rPr>
-              <a:t>,</a:t>
-            </a:r>
-            <a:r>
-              <a:rPr lang="en-IN" sz="2200" dirty="0">
-                <a:solidFill>
-                  <a:srgbClr val="DC3958"/>
-                </a:solidFill>
-                <a:latin typeface="Consolas" panose="020B0609020204030204" pitchFamily="49" charset="0"/>
-              </a:rPr>
-              <a:t> </a:t>
-            </a:r>
-            <a:r>
-              <a:rPr lang="en-IN" sz="2200" dirty="0">
-                <a:solidFill>
-                  <a:srgbClr val="D3AF86"/>
-                </a:solidFill>
-                <a:latin typeface="Consolas" panose="020B0609020204030204" pitchFamily="49" charset="0"/>
-              </a:rPr>
-              <a:t>$</a:t>
-            </a:r>
-            <a:r>
-              <a:rPr lang="en-IN" sz="2200" dirty="0">
-                <a:solidFill>
-                  <a:srgbClr val="DC3958"/>
-                </a:solidFill>
-                <a:latin typeface="Consolas" panose="020B0609020204030204" pitchFamily="49" charset="0"/>
-              </a:rPr>
-              <a:t>paraN</a:t>
-            </a:r>
-            <a:r>
-              <a:rPr lang="en-IN" sz="2200" dirty="0">
-                <a:solidFill>
-                  <a:srgbClr val="D3AF86"/>
-                </a:solidFill>
-                <a:latin typeface="Consolas" panose="020B0609020204030204" pitchFamily="49" charset="0"/>
-              </a:rPr>
-              <a:t> = </a:t>
-            </a:r>
-            <a:r>
-              <a:rPr lang="en-IN" sz="2200" dirty="0">
-                <a:solidFill>
-                  <a:srgbClr val="F79A32"/>
-                </a:solidFill>
-                <a:latin typeface="Consolas" panose="020B0609020204030204" pitchFamily="49" charset="0"/>
-              </a:rPr>
               <a:t>valueN</a:t>
             </a:r>
             <a:r>
-              <a:rPr lang="en-IN" sz="2200" dirty="0">
+              <a:rPr lang="en-IN" sz="2000" dirty="0">
                 <a:solidFill>
                   <a:srgbClr val="D3AF86"/>
                 </a:solidFill>
@@ -20265,7 +20247,7 @@
           </a:p>
           <a:p>
             <a:r>
-              <a:rPr lang="en-IN" sz="2200" dirty="0" smtClean="0">
+              <a:rPr lang="en-IN" sz="2000" dirty="0" smtClean="0">
                 <a:solidFill>
                   <a:srgbClr val="A57A4C"/>
                 </a:solidFill>
@@ -20274,7 +20256,7 @@
               <a:t>    </a:t>
             </a:r>
             <a:r>
-              <a:rPr lang="en-IN" sz="2200" dirty="0" smtClean="0">
+              <a:rPr lang="en-IN" sz="2000" dirty="0" smtClean="0">
                 <a:solidFill>
                   <a:srgbClr val="92D050"/>
                 </a:solidFill>
@@ -20283,7 +20265,7 @@
               <a:t>// </a:t>
             </a:r>
             <a:r>
-              <a:rPr lang="en-IN" sz="2200" dirty="0">
+              <a:rPr lang="en-IN" sz="2000" dirty="0">
                 <a:solidFill>
                   <a:srgbClr val="92D050"/>
                 </a:solidFill>
@@ -20294,7 +20276,7 @@
           </a:p>
           <a:p>
             <a:r>
-              <a:rPr lang="en-IN" sz="2200" dirty="0">
+              <a:rPr lang="en-IN" sz="2000" dirty="0">
                 <a:solidFill>
                   <a:srgbClr val="D3AF86"/>
                 </a:solidFill>
@@ -20302,7 +20284,7 @@
               </a:rPr>
               <a:t>}</a:t>
             </a:r>
-            <a:endParaRPr lang="en-IN" sz="2200" b="0" dirty="0">
+            <a:endParaRPr lang="en-IN" sz="2000" b="0" dirty="0">
               <a:solidFill>
                 <a:srgbClr val="D3AF86"/>
               </a:solidFill>
@@ -21728,14 +21710,14 @@
         <p:spPr>
           <a:xfrm>
             <a:off x="228600" y="2514600"/>
-            <a:ext cx="4572000" cy="1754326"/>
+            <a:ext cx="4343400" cy="1754326"/>
           </a:xfrm>
           <a:prstGeom prst="rect">
             <a:avLst/>
           </a:prstGeom>
         </p:spPr>
         <p:txBody>
-          <a:bodyPr>
+          <a:bodyPr wrap="square">
             <a:spAutoFit/>
           </a:bodyPr>
           <a:lstStyle/>
@@ -27581,14 +27563,14 @@
       </p:sp>
       <p:sp>
         <p:nvSpPr>
-          <p:cNvPr id="10" name="Rectangle 9"/>
+          <p:cNvPr id="4" name="Rectangle 3"/>
           <p:cNvSpPr/>
           <p:nvPr/>
         </p:nvSpPr>
         <p:spPr>
           <a:xfrm>
-            <a:off x="152400" y="2416076"/>
-            <a:ext cx="8839200" cy="2062103"/>
+            <a:off x="152399" y="2474655"/>
+            <a:ext cx="8794173" cy="2246769"/>
           </a:xfrm>
           <a:prstGeom prst="rect">
             <a:avLst/>
@@ -27601,273 +27583,405 @@
           <a:lstStyle/>
           <a:p>
             <a:r>
-              <a:rPr lang="en-IN" sz="1600" b="1" dirty="0">
-                <a:solidFill>
-                  <a:srgbClr val="7F0055"/>
+              <a:rPr lang="en-IN" sz="2000" dirty="0">
+                <a:solidFill>
+                  <a:srgbClr val="088649"/>
                 </a:solidFill>
                 <a:latin typeface="Consolas" panose="020B0609020204030204" pitchFamily="49" charset="0"/>
               </a:rPr>
               <a:t>&lt;?php</a:t>
             </a:r>
-          </a:p>
-          <a:p>
-            <a:r>
-              <a:rPr lang="en-IN" sz="1600" dirty="0" smtClean="0">
-                <a:solidFill>
-                  <a:srgbClr val="000000"/>
-                </a:solidFill>
-                <a:latin typeface="Consolas" panose="020B0609020204030204" pitchFamily="49" charset="0"/>
-              </a:rPr>
-              <a:t>   </a:t>
-            </a:r>
-            <a:r>
-              <a:rPr lang="en-IN" sz="1600" dirty="0">
-                <a:solidFill>
-                  <a:srgbClr val="000000"/>
-                </a:solidFill>
-                <a:latin typeface="Consolas" panose="020B0609020204030204" pitchFamily="49" charset="0"/>
-              </a:rPr>
-              <a:t>setcookie(</a:t>
-            </a:r>
-            <a:r>
-              <a:rPr lang="en-IN" sz="1600" dirty="0">
-                <a:solidFill>
-                  <a:srgbClr val="0000C0"/>
-                </a:solidFill>
-                <a:latin typeface="Consolas" panose="020B0609020204030204" pitchFamily="49" charset="0"/>
-              </a:rPr>
-              <a:t>"companyName"</a:t>
-            </a:r>
-            <a:r>
-              <a:rPr lang="en-IN" sz="1600" dirty="0">
-                <a:solidFill>
-                  <a:srgbClr val="000000"/>
-                </a:solidFill>
-                <a:latin typeface="Consolas" panose="020B0609020204030204" pitchFamily="49" charset="0"/>
-              </a:rPr>
-              <a:t>, </a:t>
-            </a:r>
-            <a:r>
-              <a:rPr lang="en-IN" sz="1600" dirty="0">
-                <a:solidFill>
-                  <a:srgbClr val="0000C0"/>
-                </a:solidFill>
-                <a:latin typeface="Consolas" panose="020B0609020204030204" pitchFamily="49" charset="0"/>
-              </a:rPr>
-              <a:t>"Infoway Technologies"</a:t>
-            </a:r>
-            <a:r>
-              <a:rPr lang="en-IN" sz="1600" dirty="0">
-                <a:solidFill>
-                  <a:srgbClr val="000000"/>
-                </a:solidFill>
-                <a:latin typeface="Consolas" panose="020B0609020204030204" pitchFamily="49" charset="0"/>
-              </a:rPr>
-              <a:t>);</a:t>
-            </a:r>
-          </a:p>
-          <a:p>
-            <a:r>
-              <a:rPr lang="en-IN" sz="1600" dirty="0">
-                <a:solidFill>
-                  <a:srgbClr val="000000"/>
-                </a:solidFill>
-                <a:latin typeface="Consolas" panose="020B0609020204030204" pitchFamily="49" charset="0"/>
-              </a:rPr>
-              <a:t>   setcookie(</a:t>
-            </a:r>
-            <a:r>
-              <a:rPr lang="en-IN" sz="1600" dirty="0">
-                <a:solidFill>
-                  <a:srgbClr val="0000C0"/>
-                </a:solidFill>
-                <a:latin typeface="Consolas" panose="020B0609020204030204" pitchFamily="49" charset="0"/>
-              </a:rPr>
-              <a:t>"ID"</a:t>
-            </a:r>
-            <a:r>
-              <a:rPr lang="en-IN" sz="1600" dirty="0">
-                <a:solidFill>
-                  <a:srgbClr val="000000"/>
-                </a:solidFill>
-                <a:latin typeface="Consolas" panose="020B0609020204030204" pitchFamily="49" charset="0"/>
-              </a:rPr>
-              <a:t>, </a:t>
-            </a:r>
-            <a:r>
-              <a:rPr lang="en-IN" sz="1600" dirty="0">
-                <a:solidFill>
-                  <a:srgbClr val="0000C0"/>
-                </a:solidFill>
-                <a:latin typeface="Consolas" panose="020B0609020204030204" pitchFamily="49" charset="0"/>
-              </a:rPr>
-              <a:t>"S/A: 00012XcCr234"</a:t>
-            </a:r>
-            <a:r>
-              <a:rPr lang="en-IN" sz="1600" dirty="0">
-                <a:solidFill>
-                  <a:srgbClr val="000000"/>
-                </a:solidFill>
-                <a:latin typeface="Consolas" panose="020B0609020204030204" pitchFamily="49" charset="0"/>
-              </a:rPr>
-              <a:t>, time() + 3600 ); </a:t>
-            </a:r>
-            <a:r>
-              <a:rPr lang="en-IN" sz="1600" i="1" dirty="0" smtClean="0">
-                <a:solidFill>
-                  <a:srgbClr val="92D050"/>
-                </a:solidFill>
-                <a:latin typeface="Consolas" panose="020B0609020204030204" pitchFamily="49" charset="0"/>
-              </a:rPr>
-              <a:t>//</a:t>
-            </a:r>
-            <a:r>
-              <a:rPr lang="en-IN" sz="1600" i="1" dirty="0">
-                <a:solidFill>
-                  <a:srgbClr val="92D050"/>
-                </a:solidFill>
-                <a:latin typeface="Consolas" panose="020B0609020204030204" pitchFamily="49" charset="0"/>
-              </a:rPr>
-              <a:t>using expiry in 1 hour(60*60 seconds or 3600 seconds) </a:t>
-            </a:r>
-            <a:r>
-              <a:rPr lang="en-IN" sz="1600" dirty="0">
-                <a:solidFill>
-                  <a:srgbClr val="557F5F"/>
-                </a:solidFill>
-                <a:latin typeface="Consolas" panose="020B0609020204030204" pitchFamily="49" charset="0"/>
-              </a:rPr>
-              <a:t> </a:t>
-            </a:r>
-          </a:p>
-          <a:p>
-            <a:endParaRPr lang="en-IN" sz="1600" dirty="0">
+            <a:endParaRPr lang="en-IN" sz="2000" dirty="0">
+              <a:solidFill>
+                <a:srgbClr val="D3AF86"/>
+              </a:solidFill>
               <a:latin typeface="Consolas" panose="020B0609020204030204" pitchFamily="49" charset="0"/>
             </a:endParaRPr>
           </a:p>
           <a:p>
             <a:r>
-              <a:rPr lang="en-IN" sz="1600" dirty="0">
-                <a:solidFill>
-                  <a:srgbClr val="000000"/>
+              <a:rPr lang="en-IN" sz="2000" dirty="0" smtClean="0">
+                <a:solidFill>
+                  <a:srgbClr val="7E602C"/>
+                </a:solidFill>
+                <a:latin typeface="Consolas" panose="020B0609020204030204" pitchFamily="49" charset="0"/>
+              </a:rPr>
+              <a:t>   setcookie</a:t>
+            </a:r>
+            <a:r>
+              <a:rPr lang="en-IN" sz="2000" dirty="0">
+                <a:solidFill>
+                  <a:srgbClr val="D3AF86"/>
+                </a:solidFill>
+                <a:latin typeface="Consolas" panose="020B0609020204030204" pitchFamily="49" charset="0"/>
+              </a:rPr>
+              <a:t>("</a:t>
+            </a:r>
+            <a:r>
+              <a:rPr lang="en-IN" sz="2000" dirty="0">
+                <a:solidFill>
+                  <a:srgbClr val="889B4A"/>
+                </a:solidFill>
+                <a:latin typeface="Consolas" panose="020B0609020204030204" pitchFamily="49" charset="0"/>
+              </a:rPr>
+              <a:t>companyName</a:t>
+            </a:r>
+            <a:r>
+              <a:rPr lang="en-IN" sz="2000" dirty="0">
+                <a:solidFill>
+                  <a:srgbClr val="D3AF86"/>
+                </a:solidFill>
+                <a:latin typeface="Consolas" panose="020B0609020204030204" pitchFamily="49" charset="0"/>
+              </a:rPr>
+              <a:t>", "</a:t>
+            </a:r>
+            <a:r>
+              <a:rPr lang="en-IN" sz="2000" dirty="0">
+                <a:solidFill>
+                  <a:srgbClr val="889B4A"/>
+                </a:solidFill>
+                <a:latin typeface="Consolas" panose="020B0609020204030204" pitchFamily="49" charset="0"/>
+              </a:rPr>
+              <a:t>Infoway Technologies</a:t>
+            </a:r>
+            <a:r>
+              <a:rPr lang="en-IN" sz="2000" dirty="0">
+                <a:solidFill>
+                  <a:srgbClr val="D3AF86"/>
+                </a:solidFill>
+                <a:latin typeface="Consolas" panose="020B0609020204030204" pitchFamily="49" charset="0"/>
+              </a:rPr>
+              <a:t>");</a:t>
+            </a:r>
+          </a:p>
+          <a:p>
+            <a:r>
+              <a:rPr lang="en-IN" sz="2000" dirty="0" smtClean="0">
+                <a:solidFill>
+                  <a:srgbClr val="7E602C"/>
+                </a:solidFill>
+                <a:latin typeface="Consolas" panose="020B0609020204030204" pitchFamily="49" charset="0"/>
+              </a:rPr>
+              <a:t>   setcookie</a:t>
+            </a:r>
+            <a:r>
+              <a:rPr lang="en-IN" sz="2000" dirty="0">
+                <a:solidFill>
+                  <a:srgbClr val="D3AF86"/>
+                </a:solidFill>
+                <a:latin typeface="Consolas" panose="020B0609020204030204" pitchFamily="49" charset="0"/>
+              </a:rPr>
+              <a:t>("</a:t>
+            </a:r>
+            <a:r>
+              <a:rPr lang="en-IN" sz="2000" dirty="0">
+                <a:solidFill>
+                  <a:srgbClr val="889B4A"/>
+                </a:solidFill>
+                <a:latin typeface="Consolas" panose="020B0609020204030204" pitchFamily="49" charset="0"/>
+              </a:rPr>
+              <a:t>ID</a:t>
+            </a:r>
+            <a:r>
+              <a:rPr lang="en-IN" sz="2000" dirty="0">
+                <a:solidFill>
+                  <a:srgbClr val="D3AF86"/>
+                </a:solidFill>
+                <a:latin typeface="Consolas" panose="020B0609020204030204" pitchFamily="49" charset="0"/>
+              </a:rPr>
+              <a:t>", "</a:t>
+            </a:r>
+            <a:r>
+              <a:rPr lang="en-IN" sz="2000" dirty="0">
+                <a:solidFill>
+                  <a:srgbClr val="889B4A"/>
+                </a:solidFill>
+                <a:latin typeface="Consolas" panose="020B0609020204030204" pitchFamily="49" charset="0"/>
+              </a:rPr>
+              <a:t>S/A: 00012XcCr234</a:t>
+            </a:r>
+            <a:r>
+              <a:rPr lang="en-IN" sz="2000" dirty="0">
+                <a:solidFill>
+                  <a:srgbClr val="D3AF86"/>
+                </a:solidFill>
+                <a:latin typeface="Consolas" panose="020B0609020204030204" pitchFamily="49" charset="0"/>
+              </a:rPr>
+              <a:t>", </a:t>
+            </a:r>
+            <a:r>
+              <a:rPr lang="en-IN" sz="2000" dirty="0">
+                <a:solidFill>
+                  <a:srgbClr val="7E602C"/>
+                </a:solidFill>
+                <a:latin typeface="Consolas" panose="020B0609020204030204" pitchFamily="49" charset="0"/>
+              </a:rPr>
+              <a:t>time</a:t>
+            </a:r>
+            <a:r>
+              <a:rPr lang="en-IN" sz="2000" dirty="0">
+                <a:solidFill>
+                  <a:srgbClr val="D3AF86"/>
+                </a:solidFill>
+                <a:latin typeface="Consolas" panose="020B0609020204030204" pitchFamily="49" charset="0"/>
+              </a:rPr>
+              <a:t>() + </a:t>
+            </a:r>
+            <a:r>
+              <a:rPr lang="en-IN" sz="2000" dirty="0">
+                <a:solidFill>
+                  <a:srgbClr val="F79A32"/>
+                </a:solidFill>
+                <a:latin typeface="Consolas" panose="020B0609020204030204" pitchFamily="49" charset="0"/>
+              </a:rPr>
+              <a:t>3600</a:t>
+            </a:r>
+            <a:r>
+              <a:rPr lang="en-IN" sz="2000" dirty="0">
+                <a:solidFill>
+                  <a:srgbClr val="D3AF86"/>
+                </a:solidFill>
+                <a:latin typeface="Consolas" panose="020B0609020204030204" pitchFamily="49" charset="0"/>
+              </a:rPr>
+              <a:t> ); </a:t>
+            </a:r>
+            <a:r>
+              <a:rPr lang="en-IN" sz="2000" dirty="0" smtClean="0">
+                <a:solidFill>
+                  <a:srgbClr val="D3AF86"/>
                 </a:solidFill>
                 <a:latin typeface="Consolas" panose="020B0609020204030204" pitchFamily="49" charset="0"/>
               </a:rPr>
               <a:t>   </a:t>
             </a:r>
-            <a:r>
-              <a:rPr lang="en-IN" sz="1600" b="1" dirty="0">
-                <a:solidFill>
-                  <a:srgbClr val="7F0055"/>
-                </a:solidFill>
-                <a:latin typeface="Consolas" panose="020B0609020204030204" pitchFamily="49" charset="0"/>
-              </a:rPr>
-              <a:t>echo </a:t>
-            </a:r>
-            <a:r>
-              <a:rPr lang="en-IN" sz="1600" b="1" dirty="0">
-                <a:solidFill>
-                  <a:srgbClr val="000000"/>
-                </a:solidFill>
-                <a:latin typeface="Consolas" panose="020B0609020204030204" pitchFamily="49" charset="0"/>
-              </a:rPr>
-              <a:t>$_COOKIE[</a:t>
-            </a:r>
-            <a:r>
-              <a:rPr lang="en-IN" sz="1600" b="1" dirty="0">
-                <a:solidFill>
-                  <a:srgbClr val="0000C0"/>
-                </a:solidFill>
-                <a:latin typeface="Consolas" panose="020B0609020204030204" pitchFamily="49" charset="0"/>
-              </a:rPr>
-              <a:t>"ID"</a:t>
-            </a:r>
-            <a:r>
-              <a:rPr lang="en-IN" sz="1600" b="1" dirty="0">
-                <a:solidFill>
-                  <a:srgbClr val="000000"/>
-                </a:solidFill>
-                <a:latin typeface="Consolas" panose="020B0609020204030204" pitchFamily="49" charset="0"/>
-              </a:rPr>
-              <a:t>] . </a:t>
-            </a:r>
-            <a:r>
-              <a:rPr lang="en-IN" sz="1600" b="1" dirty="0">
-                <a:solidFill>
-                  <a:srgbClr val="0000C0"/>
-                </a:solidFill>
-                <a:latin typeface="Consolas" panose="020B0609020204030204" pitchFamily="49" charset="0"/>
-              </a:rPr>
-              <a:t>"&lt;br /&gt;"</a:t>
-            </a:r>
-            <a:r>
-              <a:rPr lang="en-IN" sz="1600" b="1" dirty="0">
-                <a:solidFill>
-                  <a:srgbClr val="000000"/>
-                </a:solidFill>
-                <a:latin typeface="Consolas" panose="020B0609020204030204" pitchFamily="49" charset="0"/>
-              </a:rPr>
-              <a:t>;</a:t>
-            </a:r>
-          </a:p>
-          <a:p>
-            <a:r>
-              <a:rPr lang="en-IN" sz="1600" dirty="0">
-                <a:solidFill>
-                  <a:srgbClr val="000000"/>
+          </a:p>
+          <a:p>
+            <a:r>
+              <a:rPr lang="en-IN" sz="2000" dirty="0">
+                <a:solidFill>
+                  <a:srgbClr val="D3AF86"/>
+                </a:solidFill>
+                <a:latin typeface="Consolas" panose="020B0609020204030204" pitchFamily="49" charset="0"/>
+              </a:rPr>
+              <a:t> </a:t>
+            </a:r>
+            <a:r>
+              <a:rPr lang="en-IN" sz="2000" dirty="0" smtClean="0">
+                <a:solidFill>
+                  <a:srgbClr val="D3AF86"/>
+                </a:solidFill>
+                <a:latin typeface="Consolas" panose="020B0609020204030204" pitchFamily="49" charset="0"/>
+              </a:rPr>
+              <a:t>  </a:t>
+            </a:r>
+            <a:r>
+              <a:rPr lang="en-IN" sz="2000" dirty="0" smtClean="0">
+                <a:solidFill>
+                  <a:srgbClr val="D6E608"/>
+                </a:solidFill>
+                <a:latin typeface="Consolas" panose="020B0609020204030204" pitchFamily="49" charset="0"/>
+              </a:rPr>
+              <a:t>//</a:t>
+            </a:r>
+            <a:r>
+              <a:rPr lang="en-IN" sz="2000" dirty="0">
+                <a:solidFill>
+                  <a:srgbClr val="D6E608"/>
+                </a:solidFill>
+                <a:latin typeface="Consolas" panose="020B0609020204030204" pitchFamily="49" charset="0"/>
+              </a:rPr>
+              <a:t>using expiry in 1 hour(60*60 seconds or 3600 seconds)</a:t>
+            </a:r>
+            <a:r>
+              <a:rPr lang="en-IN" sz="2000" dirty="0">
+                <a:solidFill>
+                  <a:srgbClr val="A57A4C"/>
+                </a:solidFill>
+                <a:latin typeface="Consolas" panose="020B0609020204030204" pitchFamily="49" charset="0"/>
+              </a:rPr>
+              <a:t> </a:t>
+            </a:r>
+            <a:endParaRPr lang="en-IN" sz="2000" dirty="0">
+              <a:solidFill>
+                <a:srgbClr val="D3AF86"/>
+              </a:solidFill>
+              <a:latin typeface="Consolas" panose="020B0609020204030204" pitchFamily="49" charset="0"/>
+            </a:endParaRPr>
+          </a:p>
+          <a:p>
+            <a:r>
+              <a:rPr lang="en-IN" sz="2000" dirty="0" smtClean="0">
+                <a:solidFill>
+                  <a:srgbClr val="D3AF86"/>
                 </a:solidFill>
                 <a:latin typeface="Consolas" panose="020B0609020204030204" pitchFamily="49" charset="0"/>
               </a:rPr>
               <a:t>   </a:t>
             </a:r>
             <a:r>
-              <a:rPr lang="en-IN" sz="1600" b="1" dirty="0">
-                <a:solidFill>
-                  <a:srgbClr val="7F0055"/>
-                </a:solidFill>
-                <a:latin typeface="Consolas" panose="020B0609020204030204" pitchFamily="49" charset="0"/>
-              </a:rPr>
-              <a:t>echo </a:t>
-            </a:r>
-            <a:r>
-              <a:rPr lang="en-IN" sz="1600" b="1" dirty="0">
-                <a:solidFill>
-                  <a:srgbClr val="000000"/>
-                </a:solidFill>
-                <a:latin typeface="Consolas" panose="020B0609020204030204" pitchFamily="49" charset="0"/>
-              </a:rPr>
-              <a:t>$_COOKIE[</a:t>
-            </a:r>
-            <a:r>
-              <a:rPr lang="en-IN" sz="1600" b="1" dirty="0">
-                <a:solidFill>
-                  <a:srgbClr val="0000C0"/>
-                </a:solidFill>
-                <a:latin typeface="Consolas" panose="020B0609020204030204" pitchFamily="49" charset="0"/>
-              </a:rPr>
-              <a:t>"companyName"</a:t>
-            </a:r>
-            <a:r>
-              <a:rPr lang="en-IN" sz="1600" b="1" dirty="0">
-                <a:solidFill>
-                  <a:srgbClr val="000000"/>
-                </a:solidFill>
-                <a:latin typeface="Consolas" panose="020B0609020204030204" pitchFamily="49" charset="0"/>
-              </a:rPr>
-              <a:t>];</a:t>
-            </a:r>
-          </a:p>
-          <a:p>
-            <a:r>
-              <a:rPr lang="en-IN" sz="1600" dirty="0" smtClean="0">
-                <a:solidFill>
-                  <a:srgbClr val="FF0000"/>
+              <a:rPr lang="en-IN" sz="2000" dirty="0" smtClean="0">
+                <a:solidFill>
+                  <a:srgbClr val="7E602C"/>
+                </a:solidFill>
+                <a:latin typeface="Consolas" panose="020B0609020204030204" pitchFamily="49" charset="0"/>
+              </a:rPr>
+              <a:t>echo</a:t>
+            </a:r>
+            <a:r>
+              <a:rPr lang="en-IN" sz="2000" dirty="0" smtClean="0">
+                <a:solidFill>
+                  <a:srgbClr val="D3AF86"/>
+                </a:solidFill>
+                <a:latin typeface="Consolas" panose="020B0609020204030204" pitchFamily="49" charset="0"/>
+              </a:rPr>
+              <a:t> </a:t>
+            </a:r>
+            <a:r>
+              <a:rPr lang="en-IN" sz="2000" dirty="0">
+                <a:solidFill>
+                  <a:srgbClr val="D3AF86"/>
+                </a:solidFill>
+                <a:latin typeface="Consolas" panose="020B0609020204030204" pitchFamily="49" charset="0"/>
+              </a:rPr>
+              <a:t>$</a:t>
+            </a:r>
+            <a:r>
+              <a:rPr lang="en-IN" sz="2000" dirty="0">
+                <a:solidFill>
+                  <a:srgbClr val="DC3958"/>
+                </a:solidFill>
+                <a:latin typeface="Consolas" panose="020B0609020204030204" pitchFamily="49" charset="0"/>
+              </a:rPr>
+              <a:t>_COOKIE</a:t>
+            </a:r>
+            <a:r>
+              <a:rPr lang="en-IN" sz="2000" dirty="0">
+                <a:solidFill>
+                  <a:srgbClr val="D3AF86"/>
+                </a:solidFill>
+                <a:latin typeface="Consolas" panose="020B0609020204030204" pitchFamily="49" charset="0"/>
+              </a:rPr>
+              <a:t>["</a:t>
+            </a:r>
+            <a:r>
+              <a:rPr lang="en-IN" sz="2000" dirty="0">
+                <a:solidFill>
+                  <a:srgbClr val="889B4A"/>
+                </a:solidFill>
+                <a:latin typeface="Consolas" panose="020B0609020204030204" pitchFamily="49" charset="0"/>
+              </a:rPr>
+              <a:t>ID</a:t>
+            </a:r>
+            <a:r>
+              <a:rPr lang="en-IN" sz="2000" dirty="0">
+                <a:solidFill>
+                  <a:srgbClr val="D3AF86"/>
+                </a:solidFill>
+                <a:latin typeface="Consolas" panose="020B0609020204030204" pitchFamily="49" charset="0"/>
+              </a:rPr>
+              <a:t>"] . "</a:t>
+            </a:r>
+            <a:r>
+              <a:rPr lang="en-IN" sz="2000" dirty="0">
+                <a:solidFill>
+                  <a:srgbClr val="889B4A"/>
+                </a:solidFill>
+                <a:latin typeface="Consolas" panose="020B0609020204030204" pitchFamily="49" charset="0"/>
+              </a:rPr>
+              <a:t>&lt;br /&gt;</a:t>
+            </a:r>
+            <a:r>
+              <a:rPr lang="en-IN" sz="2000" dirty="0">
+                <a:solidFill>
+                  <a:srgbClr val="D3AF86"/>
+                </a:solidFill>
+                <a:latin typeface="Consolas" panose="020B0609020204030204" pitchFamily="49" charset="0"/>
+              </a:rPr>
+              <a:t>";</a:t>
+            </a:r>
+          </a:p>
+          <a:p>
+            <a:r>
+              <a:rPr lang="en-IN" sz="2000" dirty="0" smtClean="0">
+                <a:solidFill>
+                  <a:srgbClr val="7E602C"/>
+                </a:solidFill>
+                <a:latin typeface="Consolas" panose="020B0609020204030204" pitchFamily="49" charset="0"/>
+              </a:rPr>
+              <a:t>   echo</a:t>
+            </a:r>
+            <a:r>
+              <a:rPr lang="en-IN" sz="2000" dirty="0" smtClean="0">
+                <a:solidFill>
+                  <a:srgbClr val="D3AF86"/>
+                </a:solidFill>
+                <a:latin typeface="Consolas" panose="020B0609020204030204" pitchFamily="49" charset="0"/>
+              </a:rPr>
+              <a:t> </a:t>
+            </a:r>
+            <a:r>
+              <a:rPr lang="en-IN" sz="2000" dirty="0">
+                <a:solidFill>
+                  <a:srgbClr val="D3AF86"/>
+                </a:solidFill>
+                <a:latin typeface="Consolas" panose="020B0609020204030204" pitchFamily="49" charset="0"/>
+              </a:rPr>
+              <a:t>$</a:t>
+            </a:r>
+            <a:r>
+              <a:rPr lang="en-IN" sz="2000" dirty="0">
+                <a:solidFill>
+                  <a:srgbClr val="DC3958"/>
+                </a:solidFill>
+                <a:latin typeface="Consolas" panose="020B0609020204030204" pitchFamily="49" charset="0"/>
+              </a:rPr>
+              <a:t>_COOKIE</a:t>
+            </a:r>
+            <a:r>
+              <a:rPr lang="en-IN" sz="2000" dirty="0">
+                <a:solidFill>
+                  <a:srgbClr val="D3AF86"/>
+                </a:solidFill>
+                <a:latin typeface="Consolas" panose="020B0609020204030204" pitchFamily="49" charset="0"/>
+              </a:rPr>
+              <a:t>["</a:t>
+            </a:r>
+            <a:r>
+              <a:rPr lang="en-IN" sz="2000" dirty="0">
+                <a:solidFill>
+                  <a:srgbClr val="889B4A"/>
+                </a:solidFill>
+                <a:latin typeface="Consolas" panose="020B0609020204030204" pitchFamily="49" charset="0"/>
+              </a:rPr>
+              <a:t>companyName</a:t>
+            </a:r>
+            <a:r>
+              <a:rPr lang="en-IN" sz="2000" dirty="0">
+                <a:solidFill>
+                  <a:srgbClr val="D3AF86"/>
+                </a:solidFill>
+                <a:latin typeface="Consolas" panose="020B0609020204030204" pitchFamily="49" charset="0"/>
+              </a:rPr>
+              <a:t>"];</a:t>
+            </a:r>
+          </a:p>
+          <a:p>
+            <a:r>
+              <a:rPr lang="en-IN" sz="2000" dirty="0">
+                <a:solidFill>
+                  <a:srgbClr val="088649"/>
                 </a:solidFill>
                 <a:latin typeface="Consolas" panose="020B0609020204030204" pitchFamily="49" charset="0"/>
               </a:rPr>
               <a:t>?&gt;</a:t>
             </a:r>
-            <a:endParaRPr lang="en-IN" sz="1600" dirty="0"/>
+            <a:endParaRPr lang="en-IN" sz="2000" b="0" dirty="0">
+              <a:solidFill>
+                <a:srgbClr val="D3AF86"/>
+              </a:solidFill>
+              <a:effectLst/>
+              <a:latin typeface="Consolas" panose="020B0609020204030204" pitchFamily="49" charset="0"/>
+            </a:endParaRPr>
           </a:p>
         </p:txBody>
       </p:sp>
@@ -29162,365 +29276,6 @@
       </p:sp>
       <p:sp>
         <p:nvSpPr>
-          <p:cNvPr id="9" name="Rectangle 8"/>
-          <p:cNvSpPr/>
-          <p:nvPr/>
-        </p:nvSpPr>
-        <p:spPr>
-          <a:xfrm>
-            <a:off x="228600" y="3200400"/>
-            <a:ext cx="8686800" cy="2585323"/>
-          </a:xfrm>
-          <a:prstGeom prst="rect">
-            <a:avLst/>
-          </a:prstGeom>
-        </p:spPr>
-        <p:txBody>
-          <a:bodyPr wrap="square">
-            <a:spAutoFit/>
-          </a:bodyPr>
-          <a:lstStyle/>
-          <a:p>
-            <a:r>
-              <a:rPr lang="en-IN" sz="1800" dirty="0">
-                <a:solidFill>
-                  <a:srgbClr val="FF0000"/>
-                </a:solidFill>
-                <a:latin typeface="Consolas" panose="020B0609020204030204" pitchFamily="49" charset="0"/>
-              </a:rPr>
-              <a:t>&lt;?php</a:t>
-            </a:r>
-          </a:p>
-          <a:p>
-            <a:r>
-              <a:rPr lang="en-IN" sz="1800" dirty="0" smtClean="0">
-                <a:solidFill>
-                  <a:srgbClr val="000000"/>
-                </a:solidFill>
-                <a:latin typeface="Consolas" panose="020B0609020204030204" pitchFamily="49" charset="0"/>
-              </a:rPr>
-              <a:t>   $</a:t>
-            </a:r>
-            <a:r>
-              <a:rPr lang="en-IN" sz="1800" dirty="0">
-                <a:solidFill>
-                  <a:srgbClr val="000000"/>
-                </a:solidFill>
-                <a:latin typeface="Consolas" panose="020B0609020204030204" pitchFamily="49" charset="0"/>
-              </a:rPr>
-              <a:t>conn = </a:t>
-            </a:r>
-            <a:r>
-              <a:rPr lang="en-IN" sz="1800" i="1" dirty="0">
-                <a:solidFill>
-                  <a:srgbClr val="000000"/>
-                </a:solidFill>
-                <a:latin typeface="Consolas" panose="020B0609020204030204" pitchFamily="49" charset="0"/>
-              </a:rPr>
-              <a:t>mysqli_connect</a:t>
-            </a:r>
-            <a:r>
-              <a:rPr lang="en-IN" sz="1800" i="1" dirty="0" smtClean="0">
-                <a:solidFill>
-                  <a:srgbClr val="000000"/>
-                </a:solidFill>
-                <a:latin typeface="Consolas" panose="020B0609020204030204" pitchFamily="49" charset="0"/>
-              </a:rPr>
-              <a:t>(</a:t>
-            </a:r>
-            <a:r>
-              <a:rPr lang="en-IN" sz="1800" i="1" dirty="0" smtClean="0">
-                <a:solidFill>
-                  <a:srgbClr val="0000C0"/>
-                </a:solidFill>
-                <a:latin typeface="Consolas" panose="020B0609020204030204" pitchFamily="49" charset="0"/>
-              </a:rPr>
-              <a:t>"localhost</a:t>
-            </a:r>
-            <a:r>
-              <a:rPr lang="en-IN" sz="1800" i="1" dirty="0">
-                <a:solidFill>
-                  <a:srgbClr val="0000C0"/>
-                </a:solidFill>
-                <a:latin typeface="Consolas" panose="020B0609020204030204" pitchFamily="49" charset="0"/>
-              </a:rPr>
-              <a:t>"</a:t>
-            </a:r>
-            <a:r>
-              <a:rPr lang="en-IN" sz="1800" i="1" dirty="0">
-                <a:solidFill>
-                  <a:srgbClr val="000000"/>
-                </a:solidFill>
-                <a:latin typeface="Consolas" panose="020B0609020204030204" pitchFamily="49" charset="0"/>
-              </a:rPr>
-              <a:t>, </a:t>
-            </a:r>
-            <a:r>
-              <a:rPr lang="en-IN" sz="1800" i="1" dirty="0">
-                <a:solidFill>
-                  <a:srgbClr val="0000C0"/>
-                </a:solidFill>
-                <a:latin typeface="Consolas" panose="020B0609020204030204" pitchFamily="49" charset="0"/>
-              </a:rPr>
-              <a:t>"root"</a:t>
-            </a:r>
-            <a:r>
-              <a:rPr lang="en-IN" sz="1800" i="1" dirty="0">
-                <a:solidFill>
-                  <a:srgbClr val="000000"/>
-                </a:solidFill>
-                <a:latin typeface="Consolas" panose="020B0609020204030204" pitchFamily="49" charset="0"/>
-              </a:rPr>
-              <a:t>,</a:t>
-            </a:r>
-            <a:r>
-              <a:rPr lang="en-IN" sz="1800" i="1" dirty="0">
-                <a:solidFill>
-                  <a:srgbClr val="0000C0"/>
-                </a:solidFill>
-                <a:latin typeface="Consolas" panose="020B0609020204030204" pitchFamily="49" charset="0"/>
-              </a:rPr>
-              <a:t> ""</a:t>
-            </a:r>
-            <a:r>
-              <a:rPr lang="en-IN" sz="1800" i="1" dirty="0">
-                <a:solidFill>
-                  <a:srgbClr val="000000"/>
-                </a:solidFill>
-                <a:latin typeface="Consolas" panose="020B0609020204030204" pitchFamily="49" charset="0"/>
-              </a:rPr>
-              <a:t>,</a:t>
-            </a:r>
-            <a:r>
-              <a:rPr lang="en-IN" sz="1800" i="1" dirty="0">
-                <a:solidFill>
-                  <a:srgbClr val="0000C0"/>
-                </a:solidFill>
-                <a:latin typeface="Consolas" panose="020B0609020204030204" pitchFamily="49" charset="0"/>
-              </a:rPr>
-              <a:t> "</a:t>
-            </a:r>
-            <a:r>
-              <a:rPr lang="en-IN" sz="1800" i="1" dirty="0" smtClean="0">
-                <a:solidFill>
-                  <a:srgbClr val="0000C0"/>
-                </a:solidFill>
-                <a:latin typeface="Consolas" panose="020B0609020204030204" pitchFamily="49" charset="0"/>
-              </a:rPr>
-              <a:t>user01"</a:t>
-            </a:r>
-            <a:r>
-              <a:rPr lang="en-IN" sz="1800" i="1" dirty="0">
-                <a:solidFill>
-                  <a:srgbClr val="000000"/>
-                </a:solidFill>
-                <a:latin typeface="Consolas" panose="020B0609020204030204" pitchFamily="49" charset="0"/>
-              </a:rPr>
-              <a:t>,</a:t>
-            </a:r>
-            <a:r>
-              <a:rPr lang="en-IN" sz="1800" i="1" dirty="0" smtClean="0">
-                <a:solidFill>
-                  <a:srgbClr val="0000C0"/>
-                </a:solidFill>
-                <a:latin typeface="Consolas" panose="020B0609020204030204" pitchFamily="49" charset="0"/>
-              </a:rPr>
-              <a:t> 3306</a:t>
-            </a:r>
-            <a:r>
-              <a:rPr lang="en-IN" sz="1800" i="1" dirty="0" smtClean="0">
-                <a:solidFill>
-                  <a:srgbClr val="000000"/>
-                </a:solidFill>
-                <a:latin typeface="Consolas" panose="020B0609020204030204" pitchFamily="49" charset="0"/>
-              </a:rPr>
-              <a:t>);</a:t>
-            </a:r>
-            <a:endParaRPr lang="en-IN" sz="1800" i="1" dirty="0">
-              <a:solidFill>
-                <a:srgbClr val="000000"/>
-              </a:solidFill>
-              <a:latin typeface="Consolas" panose="020B0609020204030204" pitchFamily="49" charset="0"/>
-            </a:endParaRPr>
-          </a:p>
-          <a:p>
-            <a:r>
-              <a:rPr lang="en-IN" sz="1800" dirty="0" smtClean="0">
-                <a:solidFill>
-                  <a:srgbClr val="557F5F"/>
-                </a:solidFill>
-                <a:latin typeface="Consolas" panose="020B0609020204030204" pitchFamily="49" charset="0"/>
-              </a:rPr>
-              <a:t>   // </a:t>
-            </a:r>
-            <a:r>
-              <a:rPr lang="en-IN" sz="1800" dirty="0">
-                <a:solidFill>
-                  <a:srgbClr val="557F5F"/>
-                </a:solidFill>
-                <a:latin typeface="Consolas" panose="020B0609020204030204" pitchFamily="49" charset="0"/>
-              </a:rPr>
-              <a:t>Check connection</a:t>
-            </a:r>
-          </a:p>
-          <a:p>
-            <a:r>
-              <a:rPr lang="en-IN" sz="1800" b="1" dirty="0" smtClean="0">
-                <a:solidFill>
-                  <a:srgbClr val="7F0055"/>
-                </a:solidFill>
-                <a:latin typeface="Consolas" panose="020B0609020204030204" pitchFamily="49" charset="0"/>
-              </a:rPr>
-              <a:t>   if </a:t>
-            </a:r>
-            <a:r>
-              <a:rPr lang="en-IN" sz="1800" b="1" dirty="0">
-                <a:solidFill>
-                  <a:srgbClr val="000000"/>
-                </a:solidFill>
-                <a:latin typeface="Consolas" panose="020B0609020204030204" pitchFamily="49" charset="0"/>
-              </a:rPr>
-              <a:t>(!$conn) {</a:t>
-            </a:r>
-          </a:p>
-          <a:p>
-            <a:r>
-              <a:rPr lang="en-IN" sz="1800" dirty="0" smtClean="0">
-                <a:solidFill>
-                  <a:srgbClr val="000000"/>
-                </a:solidFill>
-                <a:latin typeface="Consolas" panose="020B0609020204030204" pitchFamily="49" charset="0"/>
-              </a:rPr>
-              <a:t>       </a:t>
-            </a:r>
-            <a:r>
-              <a:rPr lang="en-IN" sz="1800" b="1" dirty="0">
-                <a:solidFill>
-                  <a:srgbClr val="7F0055"/>
-                </a:solidFill>
-                <a:latin typeface="Consolas" panose="020B0609020204030204" pitchFamily="49" charset="0"/>
-              </a:rPr>
-              <a:t>die</a:t>
-            </a:r>
-            <a:r>
-              <a:rPr lang="en-IN" sz="1800" b="1" dirty="0">
-                <a:solidFill>
-                  <a:srgbClr val="000000"/>
-                </a:solidFill>
-                <a:latin typeface="Consolas" panose="020B0609020204030204" pitchFamily="49" charset="0"/>
-              </a:rPr>
-              <a:t>(</a:t>
-            </a:r>
-            <a:r>
-              <a:rPr lang="en-IN" sz="1800" b="1" dirty="0">
-                <a:solidFill>
-                  <a:srgbClr val="0000C0"/>
-                </a:solidFill>
-                <a:latin typeface="Consolas" panose="020B0609020204030204" pitchFamily="49" charset="0"/>
-              </a:rPr>
-              <a:t>"Connection failed: " </a:t>
-            </a:r>
-            <a:r>
-              <a:rPr lang="en-IN" sz="1800" b="1" dirty="0">
-                <a:solidFill>
-                  <a:srgbClr val="000000"/>
-                </a:solidFill>
-                <a:latin typeface="Consolas" panose="020B0609020204030204" pitchFamily="49" charset="0"/>
-              </a:rPr>
-              <a:t>. </a:t>
-            </a:r>
-            <a:r>
-              <a:rPr lang="en-IN" sz="1800" b="1" i="1" dirty="0">
-                <a:solidFill>
-                  <a:srgbClr val="000000"/>
-                </a:solidFill>
-                <a:latin typeface="Consolas" panose="020B0609020204030204" pitchFamily="49" charset="0"/>
-              </a:rPr>
-              <a:t>mysqli_connect_error());</a:t>
-            </a:r>
-          </a:p>
-          <a:p>
-            <a:r>
-              <a:rPr lang="en-IN" sz="1800" dirty="0" smtClean="0">
-                <a:solidFill>
-                  <a:srgbClr val="000000"/>
-                </a:solidFill>
-                <a:latin typeface="Consolas" panose="020B0609020204030204" pitchFamily="49" charset="0"/>
-              </a:rPr>
-              <a:t>   }</a:t>
-            </a:r>
-            <a:endParaRPr lang="en-IN" sz="1800" dirty="0">
-              <a:solidFill>
-                <a:srgbClr val="000000"/>
-              </a:solidFill>
-              <a:latin typeface="Consolas" panose="020B0609020204030204" pitchFamily="49" charset="0"/>
-            </a:endParaRPr>
-          </a:p>
-          <a:p>
-            <a:r>
-              <a:rPr lang="en-IN" sz="1800" b="1" dirty="0" smtClean="0">
-                <a:solidFill>
-                  <a:srgbClr val="7F0055"/>
-                </a:solidFill>
-                <a:latin typeface="Consolas" panose="020B0609020204030204" pitchFamily="49" charset="0"/>
-              </a:rPr>
-              <a:t>   echo </a:t>
-            </a:r>
-            <a:r>
-              <a:rPr lang="en-IN" sz="1800" b="1" dirty="0">
-                <a:solidFill>
-                  <a:srgbClr val="0000C0"/>
-                </a:solidFill>
-                <a:latin typeface="Consolas" panose="020B0609020204030204" pitchFamily="49" charset="0"/>
-              </a:rPr>
-              <a:t>"Connected successfully"</a:t>
-            </a:r>
-            <a:r>
-              <a:rPr lang="en-IN" sz="1800" b="1" dirty="0">
-                <a:solidFill>
-                  <a:srgbClr val="000000"/>
-                </a:solidFill>
-                <a:latin typeface="Consolas" panose="020B0609020204030204" pitchFamily="49" charset="0"/>
-              </a:rPr>
-              <a:t>;</a:t>
-            </a:r>
-          </a:p>
-          <a:p>
-            <a:r>
-              <a:rPr lang="en-IN" sz="1800" i="1" dirty="0" smtClean="0">
-                <a:solidFill>
-                  <a:srgbClr val="000000"/>
-                </a:solidFill>
-                <a:latin typeface="Consolas" panose="020B0609020204030204" pitchFamily="49" charset="0"/>
-              </a:rPr>
-              <a:t>   mysqli_close</a:t>
-            </a:r>
-            <a:r>
-              <a:rPr lang="en-IN" sz="1800" i="1" dirty="0">
-                <a:solidFill>
-                  <a:srgbClr val="000000"/>
-                </a:solidFill>
-                <a:latin typeface="Consolas" panose="020B0609020204030204" pitchFamily="49" charset="0"/>
-              </a:rPr>
-              <a:t>($conn);</a:t>
-            </a:r>
-          </a:p>
-          <a:p>
-            <a:r>
-              <a:rPr lang="en-IN" sz="1800" dirty="0">
-                <a:solidFill>
-                  <a:srgbClr val="FF0000"/>
-                </a:solidFill>
-                <a:latin typeface="Consolas" panose="020B0609020204030204" pitchFamily="49" charset="0"/>
-              </a:rPr>
-              <a:t>?&gt;</a:t>
-            </a:r>
-            <a:endParaRPr lang="en-IN" sz="1800" dirty="0"/>
-          </a:p>
-        </p:txBody>
-      </p:sp>
-      <p:sp>
-        <p:nvSpPr>
           <p:cNvPr id="10" name="Rectangle 9"/>
           <p:cNvSpPr/>
           <p:nvPr/>
@@ -29592,6 +29347,416 @@
                   <a:lumOff val="50000"/>
                 </a:schemeClr>
               </a:solidFill>
+            </a:endParaRPr>
+          </a:p>
+        </p:txBody>
+      </p:sp>
+      <p:sp>
+        <p:nvSpPr>
+          <p:cNvPr id="3" name="Rectangle 2"/>
+          <p:cNvSpPr/>
+          <p:nvPr/>
+        </p:nvSpPr>
+        <p:spPr>
+          <a:xfrm>
+            <a:off x="152400" y="3053477"/>
+            <a:ext cx="8839200" cy="2862322"/>
+          </a:xfrm>
+          <a:prstGeom prst="rect">
+            <a:avLst/>
+          </a:prstGeom>
+        </p:spPr>
+        <p:txBody>
+          <a:bodyPr wrap="square">
+            <a:spAutoFit/>
+          </a:bodyPr>
+          <a:lstStyle/>
+          <a:p>
+            <a:r>
+              <a:rPr lang="en-IN" sz="2000" dirty="0">
+                <a:solidFill>
+                  <a:srgbClr val="088649"/>
+                </a:solidFill>
+                <a:latin typeface="Consolas" panose="020B0609020204030204" pitchFamily="49" charset="0"/>
+              </a:rPr>
+              <a:t>&lt;?php</a:t>
+            </a:r>
+            <a:endParaRPr lang="en-IN" sz="2000" dirty="0">
+              <a:solidFill>
+                <a:srgbClr val="D3AF86"/>
+              </a:solidFill>
+              <a:latin typeface="Consolas" panose="020B0609020204030204" pitchFamily="49" charset="0"/>
+            </a:endParaRPr>
+          </a:p>
+          <a:p>
+            <a:r>
+              <a:rPr lang="en-IN" sz="2000" dirty="0" smtClean="0">
+                <a:solidFill>
+                  <a:srgbClr val="D3AF86"/>
+                </a:solidFill>
+                <a:latin typeface="Consolas" panose="020B0609020204030204" pitchFamily="49" charset="0"/>
+              </a:rPr>
+              <a:t>   $</a:t>
+            </a:r>
+            <a:r>
+              <a:rPr lang="en-IN" sz="2000" dirty="0" smtClean="0">
+                <a:solidFill>
+                  <a:srgbClr val="DC3958"/>
+                </a:solidFill>
+                <a:latin typeface="Consolas" panose="020B0609020204030204" pitchFamily="49" charset="0"/>
+              </a:rPr>
+              <a:t>conn</a:t>
+            </a:r>
+            <a:r>
+              <a:rPr lang="en-IN" sz="2000" dirty="0" smtClean="0">
+                <a:solidFill>
+                  <a:srgbClr val="D3AF86"/>
+                </a:solidFill>
+                <a:latin typeface="Consolas" panose="020B0609020204030204" pitchFamily="49" charset="0"/>
+              </a:rPr>
+              <a:t>=</a:t>
+            </a:r>
+            <a:r>
+              <a:rPr lang="en-IN" sz="2000" dirty="0" smtClean="0">
+                <a:solidFill>
+                  <a:srgbClr val="7E602C"/>
+                </a:solidFill>
+                <a:latin typeface="Consolas" panose="020B0609020204030204" pitchFamily="49" charset="0"/>
+              </a:rPr>
+              <a:t>mysqli_connect</a:t>
+            </a:r>
+            <a:r>
+              <a:rPr lang="en-IN" sz="2000" dirty="0">
+                <a:solidFill>
+                  <a:srgbClr val="D3AF86"/>
+                </a:solidFill>
+                <a:latin typeface="Consolas" panose="020B0609020204030204" pitchFamily="49" charset="0"/>
+              </a:rPr>
+              <a:t>("</a:t>
+            </a:r>
+            <a:r>
+              <a:rPr lang="en-IN" sz="2000" dirty="0">
+                <a:solidFill>
+                  <a:srgbClr val="889B4A"/>
+                </a:solidFill>
+                <a:latin typeface="Consolas" panose="020B0609020204030204" pitchFamily="49" charset="0"/>
+              </a:rPr>
+              <a:t>localhost</a:t>
+            </a:r>
+            <a:r>
+              <a:rPr lang="en-IN" sz="2000" dirty="0" smtClean="0">
+                <a:solidFill>
+                  <a:srgbClr val="D3AF86"/>
+                </a:solidFill>
+                <a:latin typeface="Consolas" panose="020B0609020204030204" pitchFamily="49" charset="0"/>
+              </a:rPr>
+              <a:t>","</a:t>
+            </a:r>
+            <a:r>
+              <a:rPr lang="en-IN" sz="2000" dirty="0">
+                <a:solidFill>
+                  <a:srgbClr val="889B4A"/>
+                </a:solidFill>
+                <a:latin typeface="Consolas" panose="020B0609020204030204" pitchFamily="49" charset="0"/>
+              </a:rPr>
+              <a:t>root</a:t>
+            </a:r>
+            <a:r>
+              <a:rPr lang="en-IN" sz="2000" dirty="0" smtClean="0">
+                <a:solidFill>
+                  <a:srgbClr val="D3AF86"/>
+                </a:solidFill>
+                <a:latin typeface="Consolas" panose="020B0609020204030204" pitchFamily="49" charset="0"/>
+              </a:rPr>
+              <a:t>","","</a:t>
+            </a:r>
+            <a:r>
+              <a:rPr lang="en-IN" sz="2000" dirty="0">
+                <a:solidFill>
+                  <a:srgbClr val="889B4A"/>
+                </a:solidFill>
+                <a:latin typeface="Consolas" panose="020B0609020204030204" pitchFamily="49" charset="0"/>
+              </a:rPr>
+              <a:t>user01</a:t>
+            </a:r>
+            <a:r>
+              <a:rPr lang="en-IN" sz="2000" dirty="0" smtClean="0">
+                <a:solidFill>
+                  <a:srgbClr val="D3AF86"/>
+                </a:solidFill>
+                <a:latin typeface="Consolas" panose="020B0609020204030204" pitchFamily="49" charset="0"/>
+              </a:rPr>
+              <a:t>",</a:t>
+            </a:r>
+            <a:r>
+              <a:rPr lang="en-IN" sz="2000" dirty="0" smtClean="0">
+                <a:solidFill>
+                  <a:srgbClr val="F79A32"/>
+                </a:solidFill>
+                <a:latin typeface="Consolas" panose="020B0609020204030204" pitchFamily="49" charset="0"/>
+              </a:rPr>
+              <a:t>3306</a:t>
+            </a:r>
+            <a:r>
+              <a:rPr lang="en-IN" sz="2000" dirty="0">
+                <a:solidFill>
+                  <a:srgbClr val="D3AF86"/>
+                </a:solidFill>
+                <a:latin typeface="Consolas" panose="020B0609020204030204" pitchFamily="49" charset="0"/>
+              </a:rPr>
+              <a:t>);</a:t>
+            </a:r>
+          </a:p>
+          <a:p>
+            <a:r>
+              <a:rPr lang="en-IN" sz="2000" dirty="0" smtClean="0">
+                <a:solidFill>
+                  <a:srgbClr val="A57A4C"/>
+                </a:solidFill>
+                <a:latin typeface="Consolas" panose="020B0609020204030204" pitchFamily="49" charset="0"/>
+              </a:rPr>
+              <a:t>    </a:t>
+            </a:r>
+            <a:r>
+              <a:rPr lang="en-IN" sz="2000" dirty="0" smtClean="0">
+                <a:solidFill>
+                  <a:srgbClr val="D6E608"/>
+                </a:solidFill>
+                <a:latin typeface="Consolas" panose="020B0609020204030204" pitchFamily="49" charset="0"/>
+              </a:rPr>
+              <a:t>// </a:t>
+            </a:r>
+            <a:r>
+              <a:rPr lang="en-IN" sz="2000" dirty="0">
+                <a:solidFill>
+                  <a:srgbClr val="D6E608"/>
+                </a:solidFill>
+                <a:latin typeface="Consolas" panose="020B0609020204030204" pitchFamily="49" charset="0"/>
+              </a:rPr>
+              <a:t>Check connection</a:t>
+            </a:r>
+          </a:p>
+          <a:p>
+            <a:r>
+              <a:rPr lang="en-IN" sz="2000" dirty="0" smtClean="0">
+                <a:solidFill>
+                  <a:srgbClr val="98676A"/>
+                </a:solidFill>
+                <a:latin typeface="Consolas" panose="020B0609020204030204" pitchFamily="49" charset="0"/>
+              </a:rPr>
+              <a:t>   if</a:t>
+            </a:r>
+            <a:r>
+              <a:rPr lang="en-IN" sz="2000" dirty="0" smtClean="0">
+                <a:solidFill>
+                  <a:srgbClr val="D3AF86"/>
+                </a:solidFill>
+                <a:latin typeface="Consolas" panose="020B0609020204030204" pitchFamily="49" charset="0"/>
+              </a:rPr>
+              <a:t> </a:t>
+            </a:r>
+            <a:r>
+              <a:rPr lang="en-IN" sz="2000" dirty="0">
+                <a:solidFill>
+                  <a:srgbClr val="D3AF86"/>
+                </a:solidFill>
+                <a:latin typeface="Consolas" panose="020B0609020204030204" pitchFamily="49" charset="0"/>
+              </a:rPr>
+              <a:t>(!$</a:t>
+            </a:r>
+            <a:r>
+              <a:rPr lang="en-IN" sz="2000" dirty="0">
+                <a:solidFill>
+                  <a:srgbClr val="DC3958"/>
+                </a:solidFill>
+                <a:latin typeface="Consolas" panose="020B0609020204030204" pitchFamily="49" charset="0"/>
+              </a:rPr>
+              <a:t>conn</a:t>
+            </a:r>
+            <a:r>
+              <a:rPr lang="en-IN" sz="2000" dirty="0">
+                <a:solidFill>
+                  <a:srgbClr val="D3AF86"/>
+                </a:solidFill>
+                <a:latin typeface="Consolas" panose="020B0609020204030204" pitchFamily="49" charset="0"/>
+              </a:rPr>
+              <a:t>) {</a:t>
+            </a:r>
+          </a:p>
+          <a:p>
+            <a:r>
+              <a:rPr lang="en-IN" sz="2000" dirty="0" smtClean="0">
+                <a:solidFill>
+                  <a:srgbClr val="98676A"/>
+                </a:solidFill>
+                <a:latin typeface="Consolas" panose="020B0609020204030204" pitchFamily="49" charset="0"/>
+              </a:rPr>
+              <a:t>       die</a:t>
+            </a:r>
+            <a:r>
+              <a:rPr lang="en-IN" sz="2000" dirty="0">
+                <a:solidFill>
+                  <a:srgbClr val="D3AF86"/>
+                </a:solidFill>
+                <a:latin typeface="Consolas" panose="020B0609020204030204" pitchFamily="49" charset="0"/>
+              </a:rPr>
+              <a:t>("</a:t>
+            </a:r>
+            <a:r>
+              <a:rPr lang="en-IN" sz="2000" dirty="0">
+                <a:solidFill>
+                  <a:srgbClr val="889B4A"/>
+                </a:solidFill>
+                <a:latin typeface="Consolas" panose="020B0609020204030204" pitchFamily="49" charset="0"/>
+              </a:rPr>
+              <a:t>Connection failed: </a:t>
+            </a:r>
+            <a:r>
+              <a:rPr lang="en-IN" sz="2000" dirty="0">
+                <a:solidFill>
+                  <a:srgbClr val="D3AF86"/>
+                </a:solidFill>
+                <a:latin typeface="Consolas" panose="020B0609020204030204" pitchFamily="49" charset="0"/>
+              </a:rPr>
+              <a:t>" . </a:t>
+            </a:r>
+            <a:r>
+              <a:rPr lang="en-IN" sz="2000" dirty="0">
+                <a:solidFill>
+                  <a:srgbClr val="8AB1B0"/>
+                </a:solidFill>
+                <a:latin typeface="Consolas" panose="020B0609020204030204" pitchFamily="49" charset="0"/>
+              </a:rPr>
+              <a:t>mysqli_connect_error</a:t>
+            </a:r>
+            <a:r>
+              <a:rPr lang="en-IN" sz="2000" dirty="0">
+                <a:solidFill>
+                  <a:srgbClr val="D3AF86"/>
+                </a:solidFill>
+                <a:latin typeface="Consolas" panose="020B0609020204030204" pitchFamily="49" charset="0"/>
+              </a:rPr>
+              <a:t>());</a:t>
+            </a:r>
+          </a:p>
+          <a:p>
+            <a:r>
+              <a:rPr lang="en-IN" sz="2000" dirty="0" smtClean="0">
+                <a:solidFill>
+                  <a:srgbClr val="D3AF86"/>
+                </a:solidFill>
+                <a:latin typeface="Consolas" panose="020B0609020204030204" pitchFamily="49" charset="0"/>
+              </a:rPr>
+              <a:t>   }</a:t>
+            </a:r>
+            <a:endParaRPr lang="en-IN" sz="2000" dirty="0">
+              <a:solidFill>
+                <a:srgbClr val="D3AF86"/>
+              </a:solidFill>
+              <a:latin typeface="Consolas" panose="020B0609020204030204" pitchFamily="49" charset="0"/>
+            </a:endParaRPr>
+          </a:p>
+          <a:p>
+            <a:r>
+              <a:rPr lang="en-IN" sz="2000" dirty="0" smtClean="0">
+                <a:solidFill>
+                  <a:srgbClr val="7E602C"/>
+                </a:solidFill>
+                <a:latin typeface="Consolas" panose="020B0609020204030204" pitchFamily="49" charset="0"/>
+              </a:rPr>
+              <a:t>   echo</a:t>
+            </a:r>
+            <a:r>
+              <a:rPr lang="en-IN" sz="2000" dirty="0" smtClean="0">
+                <a:solidFill>
+                  <a:srgbClr val="D3AF86"/>
+                </a:solidFill>
+                <a:latin typeface="Consolas" panose="020B0609020204030204" pitchFamily="49" charset="0"/>
+              </a:rPr>
+              <a:t> </a:t>
+            </a:r>
+            <a:r>
+              <a:rPr lang="en-IN" sz="2000" dirty="0">
+                <a:solidFill>
+                  <a:srgbClr val="D3AF86"/>
+                </a:solidFill>
+                <a:latin typeface="Consolas" panose="020B0609020204030204" pitchFamily="49" charset="0"/>
+              </a:rPr>
+              <a:t>"</a:t>
+            </a:r>
+            <a:r>
+              <a:rPr lang="en-IN" sz="2000" dirty="0">
+                <a:solidFill>
+                  <a:srgbClr val="889B4A"/>
+                </a:solidFill>
+                <a:latin typeface="Consolas" panose="020B0609020204030204" pitchFamily="49" charset="0"/>
+              </a:rPr>
+              <a:t>Connected successfully</a:t>
+            </a:r>
+            <a:r>
+              <a:rPr lang="en-IN" sz="2000" dirty="0">
+                <a:solidFill>
+                  <a:srgbClr val="D3AF86"/>
+                </a:solidFill>
+                <a:latin typeface="Consolas" panose="020B0609020204030204" pitchFamily="49" charset="0"/>
+              </a:rPr>
+              <a:t>";</a:t>
+            </a:r>
+          </a:p>
+          <a:p>
+            <a:r>
+              <a:rPr lang="en-IN" sz="2000" dirty="0" smtClean="0">
+                <a:solidFill>
+                  <a:srgbClr val="7E602C"/>
+                </a:solidFill>
+                <a:latin typeface="Consolas" panose="020B0609020204030204" pitchFamily="49" charset="0"/>
+              </a:rPr>
+              <a:t>   mysqli_close</a:t>
+            </a:r>
+            <a:r>
+              <a:rPr lang="en-IN" sz="2000" dirty="0">
+                <a:solidFill>
+                  <a:srgbClr val="D3AF86"/>
+                </a:solidFill>
+                <a:latin typeface="Consolas" panose="020B0609020204030204" pitchFamily="49" charset="0"/>
+              </a:rPr>
+              <a:t>($</a:t>
+            </a:r>
+            <a:r>
+              <a:rPr lang="en-IN" sz="2000" dirty="0">
+                <a:solidFill>
+                  <a:srgbClr val="DC3958"/>
+                </a:solidFill>
+                <a:latin typeface="Consolas" panose="020B0609020204030204" pitchFamily="49" charset="0"/>
+              </a:rPr>
+              <a:t>conn</a:t>
+            </a:r>
+            <a:r>
+              <a:rPr lang="en-IN" sz="2000" dirty="0">
+                <a:solidFill>
+                  <a:srgbClr val="D3AF86"/>
+                </a:solidFill>
+                <a:latin typeface="Consolas" panose="020B0609020204030204" pitchFamily="49" charset="0"/>
+              </a:rPr>
+              <a:t>);</a:t>
+            </a:r>
+          </a:p>
+          <a:p>
+            <a:r>
+              <a:rPr lang="en-IN" sz="2000" dirty="0">
+                <a:solidFill>
+                  <a:srgbClr val="088649"/>
+                </a:solidFill>
+                <a:latin typeface="Consolas" panose="020B0609020204030204" pitchFamily="49" charset="0"/>
+              </a:rPr>
+              <a:t>?&gt;</a:t>
+            </a:r>
+            <a:endParaRPr lang="en-IN" sz="2000" b="0" dirty="0">
+              <a:solidFill>
+                <a:srgbClr val="D3AF86"/>
+              </a:solidFill>
+              <a:effectLst/>
+              <a:latin typeface="Consolas" panose="020B0609020204030204" pitchFamily="49" charset="0"/>
             </a:endParaRPr>
           </a:p>
         </p:txBody>
@@ -29882,14 +30047,14 @@
       </p:sp>
       <p:sp>
         <p:nvSpPr>
-          <p:cNvPr id="4" name="Rectangle 3"/>
+          <p:cNvPr id="11" name="Rectangle 10"/>
           <p:cNvSpPr/>
           <p:nvPr/>
         </p:nvSpPr>
         <p:spPr>
           <a:xfrm>
-            <a:off x="152400" y="2819400"/>
-            <a:ext cx="8839200" cy="3139321"/>
+            <a:off x="152400" y="2743200"/>
+            <a:ext cx="8839200" cy="3693319"/>
           </a:xfrm>
           <a:prstGeom prst="rect">
             <a:avLst/>
@@ -29904,259 +30069,24 @@
             <a:r>
               <a:rPr lang="en-IN" sz="1800" dirty="0">
                 <a:solidFill>
-                  <a:srgbClr val="FF0000"/>
+                  <a:srgbClr val="088649"/>
                 </a:solidFill>
                 <a:latin typeface="Consolas" panose="020B0609020204030204" pitchFamily="49" charset="0"/>
               </a:rPr>
               <a:t>&lt;?php</a:t>
-            </a:r>
-          </a:p>
-          <a:p>
-            <a:r>
-              <a:rPr lang="en-IN" sz="1800" dirty="0" smtClean="0">
-                <a:solidFill>
-                  <a:srgbClr val="000000"/>
-                </a:solidFill>
-                <a:latin typeface="Consolas" panose="020B0609020204030204" pitchFamily="49" charset="0"/>
-              </a:rPr>
-              <a:t>   $</a:t>
-            </a:r>
-            <a:r>
-              <a:rPr lang="en-IN" sz="1800" dirty="0">
-                <a:solidFill>
-                  <a:srgbClr val="000000"/>
-                </a:solidFill>
-                <a:latin typeface="Consolas" panose="020B0609020204030204" pitchFamily="49" charset="0"/>
-              </a:rPr>
-              <a:t>conn = </a:t>
-            </a:r>
-            <a:r>
-              <a:rPr lang="en-IN" sz="1800" i="1" dirty="0">
-                <a:solidFill>
-                  <a:srgbClr val="000000"/>
-                </a:solidFill>
-                <a:latin typeface="Consolas" panose="020B0609020204030204" pitchFamily="49" charset="0"/>
-              </a:rPr>
-              <a:t>mysqli_connect(</a:t>
-            </a:r>
-            <a:r>
-              <a:rPr lang="en-IN" sz="1800" i="1" dirty="0">
-                <a:solidFill>
-                  <a:srgbClr val="0000C0"/>
-                </a:solidFill>
-                <a:latin typeface="Consolas" panose="020B0609020204030204" pitchFamily="49" charset="0"/>
-              </a:rPr>
-              <a:t>"localhost"</a:t>
-            </a:r>
-            <a:r>
-              <a:rPr lang="en-IN" sz="1800" i="1" dirty="0">
-                <a:solidFill>
-                  <a:srgbClr val="000000"/>
-                </a:solidFill>
-                <a:latin typeface="Consolas" panose="020B0609020204030204" pitchFamily="49" charset="0"/>
-              </a:rPr>
-              <a:t>, </a:t>
-            </a:r>
-            <a:r>
-              <a:rPr lang="en-IN" sz="1800" i="1" dirty="0">
-                <a:solidFill>
-                  <a:srgbClr val="0000C0"/>
-                </a:solidFill>
-                <a:latin typeface="Consolas" panose="020B0609020204030204" pitchFamily="49" charset="0"/>
-              </a:rPr>
-              <a:t>"root"</a:t>
-            </a:r>
-            <a:r>
-              <a:rPr lang="en-IN" sz="1800" i="1" dirty="0">
-                <a:solidFill>
-                  <a:srgbClr val="000000"/>
-                </a:solidFill>
-                <a:latin typeface="Consolas" panose="020B0609020204030204" pitchFamily="49" charset="0"/>
-              </a:rPr>
-              <a:t>, </a:t>
-            </a:r>
-            <a:r>
-              <a:rPr lang="en-IN" sz="1800" i="1" dirty="0">
-                <a:solidFill>
-                  <a:srgbClr val="0000C0"/>
-                </a:solidFill>
-                <a:latin typeface="Consolas" panose="020B0609020204030204" pitchFamily="49" charset="0"/>
-              </a:rPr>
-              <a:t>""</a:t>
-            </a:r>
-            <a:r>
-              <a:rPr lang="en-IN" sz="1800" i="1" dirty="0">
-                <a:solidFill>
-                  <a:srgbClr val="000000"/>
-                </a:solidFill>
-                <a:latin typeface="Consolas" panose="020B0609020204030204" pitchFamily="49" charset="0"/>
-              </a:rPr>
-              <a:t>, </a:t>
-            </a:r>
-            <a:r>
-              <a:rPr lang="en-IN" sz="1800" i="1" dirty="0">
-                <a:solidFill>
-                  <a:srgbClr val="0000C0"/>
-                </a:solidFill>
-                <a:latin typeface="Consolas" panose="020B0609020204030204" pitchFamily="49" charset="0"/>
-              </a:rPr>
-              <a:t>"user01"</a:t>
-            </a:r>
-            <a:r>
-              <a:rPr lang="en-IN" sz="1800" i="1" dirty="0">
-                <a:solidFill>
-                  <a:srgbClr val="000000"/>
-                </a:solidFill>
-                <a:latin typeface="Consolas" panose="020B0609020204030204" pitchFamily="49" charset="0"/>
-              </a:rPr>
-              <a:t>, </a:t>
-            </a:r>
-            <a:r>
-              <a:rPr lang="en-IN" sz="1800" i="1" dirty="0">
-                <a:solidFill>
-                  <a:srgbClr val="0000C0"/>
-                </a:solidFill>
-                <a:latin typeface="Consolas" panose="020B0609020204030204" pitchFamily="49" charset="0"/>
-              </a:rPr>
-              <a:t>3306</a:t>
-            </a:r>
-            <a:r>
-              <a:rPr lang="en-IN" sz="1800" i="1" dirty="0">
-                <a:solidFill>
-                  <a:srgbClr val="000000"/>
-                </a:solidFill>
-                <a:latin typeface="Consolas" panose="020B0609020204030204" pitchFamily="49" charset="0"/>
-              </a:rPr>
-              <a:t>);</a:t>
-            </a:r>
-          </a:p>
-          <a:p>
-            <a:r>
-              <a:rPr lang="en-IN" sz="1800" b="1" dirty="0" smtClean="0">
-                <a:solidFill>
-                  <a:srgbClr val="7F0055"/>
-                </a:solidFill>
-                <a:latin typeface="Consolas" panose="020B0609020204030204" pitchFamily="49" charset="0"/>
-              </a:rPr>
-              <a:t>   if </a:t>
-            </a:r>
-            <a:r>
-              <a:rPr lang="en-IN" sz="1800" b="1" dirty="0">
-                <a:solidFill>
-                  <a:srgbClr val="000000"/>
-                </a:solidFill>
-                <a:latin typeface="Consolas" panose="020B0609020204030204" pitchFamily="49" charset="0"/>
-              </a:rPr>
-              <a:t>(!$conn) {</a:t>
-            </a:r>
-          </a:p>
-          <a:p>
-            <a:r>
-              <a:rPr lang="en-IN" sz="1800" dirty="0" smtClean="0">
-                <a:solidFill>
-                  <a:srgbClr val="000000"/>
-                </a:solidFill>
-                <a:latin typeface="Consolas" panose="020B0609020204030204" pitchFamily="49" charset="0"/>
-              </a:rPr>
-              <a:t>       </a:t>
-            </a:r>
-            <a:r>
-              <a:rPr lang="en-IN" sz="1800" b="1" dirty="0">
-                <a:solidFill>
-                  <a:srgbClr val="7F0055"/>
-                </a:solidFill>
-                <a:latin typeface="Consolas" panose="020B0609020204030204" pitchFamily="49" charset="0"/>
-              </a:rPr>
-              <a:t>die</a:t>
-            </a:r>
-            <a:r>
-              <a:rPr lang="en-IN" sz="1800" b="1" dirty="0">
-                <a:solidFill>
-                  <a:srgbClr val="000000"/>
-                </a:solidFill>
-                <a:latin typeface="Consolas" panose="020B0609020204030204" pitchFamily="49" charset="0"/>
-              </a:rPr>
-              <a:t>(</a:t>
-            </a:r>
-            <a:r>
-              <a:rPr lang="en-IN" sz="1800" b="1" dirty="0">
-                <a:solidFill>
-                  <a:srgbClr val="0000C0"/>
-                </a:solidFill>
-                <a:latin typeface="Consolas" panose="020B0609020204030204" pitchFamily="49" charset="0"/>
-              </a:rPr>
-              <a:t>"Connection failed: " </a:t>
-            </a:r>
-            <a:r>
-              <a:rPr lang="en-IN" sz="1800" b="1" dirty="0">
-                <a:solidFill>
-                  <a:srgbClr val="000000"/>
-                </a:solidFill>
-                <a:latin typeface="Consolas" panose="020B0609020204030204" pitchFamily="49" charset="0"/>
-              </a:rPr>
-              <a:t>. </a:t>
-            </a:r>
-            <a:r>
-              <a:rPr lang="en-IN" sz="1800" b="1" i="1" dirty="0">
-                <a:solidFill>
-                  <a:srgbClr val="000000"/>
-                </a:solidFill>
-                <a:latin typeface="Consolas" panose="020B0609020204030204" pitchFamily="49" charset="0"/>
-              </a:rPr>
-              <a:t>mysqli_connect_error());</a:t>
-            </a:r>
-          </a:p>
-          <a:p>
-            <a:r>
-              <a:rPr lang="en-IN" sz="1800" dirty="0" smtClean="0">
-                <a:solidFill>
-                  <a:srgbClr val="000000"/>
-                </a:solidFill>
-                <a:latin typeface="Consolas" panose="020B0609020204030204" pitchFamily="49" charset="0"/>
-              </a:rPr>
-              <a:t>   }</a:t>
             </a:r>
             <a:endParaRPr lang="en-IN" sz="1800" dirty="0">
               <a:solidFill>
-                <a:srgbClr val="000000"/>
+                <a:srgbClr val="D3AF86"/>
               </a:solidFill>
               <a:latin typeface="Consolas" panose="020B0609020204030204" pitchFamily="49" charset="0"/>
             </a:endParaRPr>
           </a:p>
           <a:p>
             <a:r>
-              <a:rPr lang="en-IN" sz="1800" b="1" dirty="0" smtClean="0">
-                <a:solidFill>
-                  <a:srgbClr val="7F0055"/>
-                </a:solidFill>
-                <a:latin typeface="Consolas" panose="020B0609020204030204" pitchFamily="49" charset="0"/>
-              </a:rPr>
-              <a:t>   echo </a:t>
-            </a:r>
-            <a:r>
-              <a:rPr lang="en-IN" sz="1800" b="1" dirty="0">
-                <a:solidFill>
-                  <a:srgbClr val="0000C0"/>
-                </a:solidFill>
-                <a:latin typeface="Consolas" panose="020B0609020204030204" pitchFamily="49" charset="0"/>
-              </a:rPr>
-              <a:t>"Connected successfully"</a:t>
-            </a:r>
-            <a:r>
-              <a:rPr lang="en-IN" sz="1800" b="1" dirty="0">
-                <a:solidFill>
-                  <a:srgbClr val="000000"/>
-                </a:solidFill>
-                <a:latin typeface="Consolas" panose="020B0609020204030204" pitchFamily="49" charset="0"/>
-              </a:rPr>
-              <a:t>;</a:t>
-            </a:r>
-          </a:p>
-          <a:p>
-            <a:r>
               <a:rPr lang="en-IN" sz="1800" dirty="0" smtClean="0">
                 <a:solidFill>
-                  <a:srgbClr val="000000"/>
+                  <a:srgbClr val="D3AF86"/>
                 </a:solidFill>
                 <a:latin typeface="Consolas" panose="020B0609020204030204" pitchFamily="49" charset="0"/>
               </a:rPr>
@@ -30165,119 +30095,627 @@
             <a:r>
               <a:rPr lang="en-IN" sz="1800" dirty="0">
                 <a:solidFill>
-                  <a:srgbClr val="000000"/>
-                </a:solidFill>
-                <a:latin typeface="Consolas" panose="020B0609020204030204" pitchFamily="49" charset="0"/>
-              </a:rPr>
-              <a:t>sql = </a:t>
-            </a:r>
-            <a:r>
-              <a:rPr lang="en-IN" sz="1800" dirty="0">
-                <a:solidFill>
-                  <a:srgbClr val="0000C0"/>
-                </a:solidFill>
-                <a:latin typeface="Consolas" panose="020B0609020204030204" pitchFamily="49" charset="0"/>
-              </a:rPr>
-              <a:t>"Create table s (id int)"</a:t>
-            </a:r>
-            <a:r>
-              <a:rPr lang="en-IN" sz="1800" dirty="0">
-                <a:solidFill>
-                  <a:srgbClr val="000000"/>
-                </a:solidFill>
-                <a:latin typeface="Consolas" panose="020B0609020204030204" pitchFamily="49" charset="0"/>
-              </a:rPr>
-              <a:t>;</a:t>
-            </a:r>
-          </a:p>
-          <a:p>
-            <a:r>
-              <a:rPr lang="en-IN" sz="1800" i="1" dirty="0" smtClean="0">
-                <a:solidFill>
-                  <a:srgbClr val="000000"/>
+                  <a:srgbClr val="DC3958"/>
+                </a:solidFill>
+                <a:latin typeface="Consolas" panose="020B0609020204030204" pitchFamily="49" charset="0"/>
+              </a:rPr>
+              <a:t>conn</a:t>
+            </a:r>
+            <a:r>
+              <a:rPr lang="en-IN" sz="1800" dirty="0">
+                <a:solidFill>
+                  <a:srgbClr val="D3AF86"/>
+                </a:solidFill>
+                <a:latin typeface="Consolas" panose="020B0609020204030204" pitchFamily="49" charset="0"/>
+              </a:rPr>
+              <a:t> = </a:t>
+            </a:r>
+            <a:r>
+              <a:rPr lang="en-IN" sz="1800" dirty="0">
+                <a:solidFill>
+                  <a:srgbClr val="7E602C"/>
+                </a:solidFill>
+                <a:latin typeface="Consolas" panose="020B0609020204030204" pitchFamily="49" charset="0"/>
+              </a:rPr>
+              <a:t>mysqli_connect</a:t>
+            </a:r>
+            <a:r>
+              <a:rPr lang="en-IN" sz="1800" dirty="0">
+                <a:solidFill>
+                  <a:srgbClr val="D3AF86"/>
+                </a:solidFill>
+                <a:latin typeface="Consolas" panose="020B0609020204030204" pitchFamily="49" charset="0"/>
+              </a:rPr>
+              <a:t>("</a:t>
+            </a:r>
+            <a:r>
+              <a:rPr lang="en-IN" sz="1800" dirty="0">
+                <a:solidFill>
+                  <a:srgbClr val="889B4A"/>
+                </a:solidFill>
+                <a:latin typeface="Consolas" panose="020B0609020204030204" pitchFamily="49" charset="0"/>
+              </a:rPr>
+              <a:t>localhost</a:t>
+            </a:r>
+            <a:r>
+              <a:rPr lang="en-IN" sz="1800" dirty="0">
+                <a:solidFill>
+                  <a:srgbClr val="D3AF86"/>
+                </a:solidFill>
+                <a:latin typeface="Consolas" panose="020B0609020204030204" pitchFamily="49" charset="0"/>
+              </a:rPr>
+              <a:t>", "</a:t>
+            </a:r>
+            <a:r>
+              <a:rPr lang="en-IN" sz="1800" dirty="0">
+                <a:solidFill>
+                  <a:srgbClr val="889B4A"/>
+                </a:solidFill>
+                <a:latin typeface="Consolas" panose="020B0609020204030204" pitchFamily="49" charset="0"/>
+              </a:rPr>
+              <a:t>root</a:t>
+            </a:r>
+            <a:r>
+              <a:rPr lang="en-IN" sz="1800" dirty="0">
+                <a:solidFill>
+                  <a:srgbClr val="D3AF86"/>
+                </a:solidFill>
+                <a:latin typeface="Consolas" panose="020B0609020204030204" pitchFamily="49" charset="0"/>
+              </a:rPr>
+              <a:t>", "", "</a:t>
+            </a:r>
+            <a:r>
+              <a:rPr lang="en-IN" sz="1800" dirty="0">
+                <a:solidFill>
+                  <a:srgbClr val="889B4A"/>
+                </a:solidFill>
+                <a:latin typeface="Consolas" panose="020B0609020204030204" pitchFamily="49" charset="0"/>
+              </a:rPr>
+              <a:t>user01</a:t>
+            </a:r>
+            <a:r>
+              <a:rPr lang="en-IN" sz="1800" dirty="0">
+                <a:solidFill>
+                  <a:srgbClr val="D3AF86"/>
+                </a:solidFill>
+                <a:latin typeface="Consolas" panose="020B0609020204030204" pitchFamily="49" charset="0"/>
+              </a:rPr>
+              <a:t>", </a:t>
+            </a:r>
+            <a:r>
+              <a:rPr lang="en-IN" sz="1800" dirty="0">
+                <a:solidFill>
+                  <a:srgbClr val="F79A32"/>
+                </a:solidFill>
+                <a:latin typeface="Consolas" panose="020B0609020204030204" pitchFamily="49" charset="0"/>
+              </a:rPr>
+              <a:t>3306</a:t>
+            </a:r>
+            <a:r>
+              <a:rPr lang="en-IN" sz="1800" dirty="0">
+                <a:solidFill>
+                  <a:srgbClr val="D3AF86"/>
+                </a:solidFill>
+                <a:latin typeface="Consolas" panose="020B0609020204030204" pitchFamily="49" charset="0"/>
+              </a:rPr>
+              <a:t>);</a:t>
+            </a:r>
+          </a:p>
+          <a:p>
+            <a:r>
+              <a:rPr lang="en-IN" sz="1800" dirty="0" smtClean="0">
+                <a:solidFill>
+                  <a:srgbClr val="98676A"/>
+                </a:solidFill>
+                <a:latin typeface="Consolas" panose="020B0609020204030204" pitchFamily="49" charset="0"/>
+              </a:rPr>
+              <a:t>   if</a:t>
+            </a:r>
+            <a:r>
+              <a:rPr lang="en-IN" sz="1800" dirty="0" smtClean="0">
+                <a:solidFill>
+                  <a:srgbClr val="D3AF86"/>
+                </a:solidFill>
+                <a:latin typeface="Consolas" panose="020B0609020204030204" pitchFamily="49" charset="0"/>
+              </a:rPr>
+              <a:t> </a:t>
+            </a:r>
+            <a:r>
+              <a:rPr lang="en-IN" sz="1800" dirty="0">
+                <a:solidFill>
+                  <a:srgbClr val="D3AF86"/>
+                </a:solidFill>
+                <a:latin typeface="Consolas" panose="020B0609020204030204" pitchFamily="49" charset="0"/>
+              </a:rPr>
+              <a:t>(!$</a:t>
+            </a:r>
+            <a:r>
+              <a:rPr lang="en-IN" sz="1800" dirty="0">
+                <a:solidFill>
+                  <a:srgbClr val="DC3958"/>
+                </a:solidFill>
+                <a:latin typeface="Consolas" panose="020B0609020204030204" pitchFamily="49" charset="0"/>
+              </a:rPr>
+              <a:t>conn</a:t>
+            </a:r>
+            <a:r>
+              <a:rPr lang="en-IN" sz="1800" dirty="0">
+                <a:solidFill>
+                  <a:srgbClr val="D3AF86"/>
+                </a:solidFill>
+                <a:latin typeface="Consolas" panose="020B0609020204030204" pitchFamily="49" charset="0"/>
+              </a:rPr>
+              <a:t>) {</a:t>
+            </a:r>
+          </a:p>
+          <a:p>
+            <a:r>
+              <a:rPr lang="en-IN" sz="1800" dirty="0" smtClean="0">
+                <a:solidFill>
+                  <a:srgbClr val="98676A"/>
+                </a:solidFill>
+                <a:latin typeface="Consolas" panose="020B0609020204030204" pitchFamily="49" charset="0"/>
+              </a:rPr>
+              <a:t>       die</a:t>
+            </a:r>
+            <a:r>
+              <a:rPr lang="en-IN" sz="1800" dirty="0">
+                <a:solidFill>
+                  <a:srgbClr val="D3AF86"/>
+                </a:solidFill>
+                <a:latin typeface="Consolas" panose="020B0609020204030204" pitchFamily="49" charset="0"/>
+              </a:rPr>
+              <a:t>("</a:t>
+            </a:r>
+            <a:r>
+              <a:rPr lang="en-IN" sz="1800" dirty="0">
+                <a:solidFill>
+                  <a:srgbClr val="889B4A"/>
+                </a:solidFill>
+                <a:latin typeface="Consolas" panose="020B0609020204030204" pitchFamily="49" charset="0"/>
+              </a:rPr>
+              <a:t>Connection failed: </a:t>
+            </a:r>
+            <a:r>
+              <a:rPr lang="en-IN" sz="1800" dirty="0">
+                <a:solidFill>
+                  <a:srgbClr val="D3AF86"/>
+                </a:solidFill>
+                <a:latin typeface="Consolas" panose="020B0609020204030204" pitchFamily="49" charset="0"/>
+              </a:rPr>
+              <a:t>" . </a:t>
+            </a:r>
+            <a:r>
+              <a:rPr lang="en-IN" sz="1800" dirty="0">
+                <a:solidFill>
+                  <a:srgbClr val="8AB1B0"/>
+                </a:solidFill>
+                <a:latin typeface="Consolas" panose="020B0609020204030204" pitchFamily="49" charset="0"/>
+              </a:rPr>
+              <a:t>mysqli_connect_error</a:t>
+            </a:r>
+            <a:r>
+              <a:rPr lang="en-IN" sz="1800" dirty="0">
+                <a:solidFill>
+                  <a:srgbClr val="D3AF86"/>
+                </a:solidFill>
+                <a:latin typeface="Consolas" panose="020B0609020204030204" pitchFamily="49" charset="0"/>
+              </a:rPr>
+              <a:t>());</a:t>
+            </a:r>
+          </a:p>
+          <a:p>
+            <a:r>
+              <a:rPr lang="en-IN" sz="1800" dirty="0" smtClean="0">
+                <a:solidFill>
+                  <a:srgbClr val="D3AF86"/>
+                </a:solidFill>
+                <a:latin typeface="Consolas" panose="020B0609020204030204" pitchFamily="49" charset="0"/>
+              </a:rPr>
+              <a:t>   }</a:t>
+            </a:r>
+            <a:endParaRPr lang="en-IN" sz="1800" dirty="0">
+              <a:solidFill>
+                <a:srgbClr val="D3AF86"/>
+              </a:solidFill>
+              <a:latin typeface="Consolas" panose="020B0609020204030204" pitchFamily="49" charset="0"/>
+            </a:endParaRPr>
+          </a:p>
+          <a:p>
+            <a:r>
+              <a:rPr lang="en-IN" sz="1800" dirty="0" smtClean="0">
+                <a:solidFill>
+                  <a:srgbClr val="7E602C"/>
+                </a:solidFill>
+                <a:latin typeface="Consolas" panose="020B0609020204030204" pitchFamily="49" charset="0"/>
+              </a:rPr>
+              <a:t>   echo</a:t>
+            </a:r>
+            <a:r>
+              <a:rPr lang="en-IN" sz="1800" dirty="0" smtClean="0">
+                <a:solidFill>
+                  <a:srgbClr val="D3AF86"/>
+                </a:solidFill>
+                <a:latin typeface="Consolas" panose="020B0609020204030204" pitchFamily="49" charset="0"/>
+              </a:rPr>
+              <a:t> "</a:t>
+            </a:r>
+            <a:r>
+              <a:rPr lang="en-IN" sz="1800" dirty="0">
+                <a:solidFill>
+                  <a:srgbClr val="889B4A"/>
+                </a:solidFill>
+                <a:latin typeface="Consolas" panose="020B0609020204030204" pitchFamily="49" charset="0"/>
+              </a:rPr>
+              <a:t>Connected successfully</a:t>
+            </a:r>
+            <a:r>
+              <a:rPr lang="en-IN" sz="1800" dirty="0">
+                <a:solidFill>
+                  <a:srgbClr val="D3AF86"/>
+                </a:solidFill>
+                <a:latin typeface="Consolas" panose="020B0609020204030204" pitchFamily="49" charset="0"/>
+              </a:rPr>
+              <a:t>";</a:t>
+            </a:r>
+          </a:p>
+          <a:p>
+            <a:r>
+              <a:rPr lang="en-IN" sz="1800" dirty="0" smtClean="0">
+                <a:solidFill>
+                  <a:srgbClr val="D3AF86"/>
+                </a:solidFill>
+                <a:latin typeface="Consolas" panose="020B0609020204030204" pitchFamily="49" charset="0"/>
+              </a:rPr>
+              <a:t>   $</a:t>
+            </a:r>
+            <a:r>
+              <a:rPr lang="en-IN" sz="1800" dirty="0">
+                <a:solidFill>
+                  <a:srgbClr val="DC3958"/>
+                </a:solidFill>
+                <a:latin typeface="Consolas" panose="020B0609020204030204" pitchFamily="49" charset="0"/>
+              </a:rPr>
+              <a:t>sql</a:t>
+            </a:r>
+            <a:r>
+              <a:rPr lang="en-IN" sz="1800" dirty="0">
+                <a:solidFill>
+                  <a:srgbClr val="D3AF86"/>
+                </a:solidFill>
+                <a:latin typeface="Consolas" panose="020B0609020204030204" pitchFamily="49" charset="0"/>
+              </a:rPr>
+              <a:t> = "</a:t>
+            </a:r>
+            <a:r>
+              <a:rPr lang="en-IN" sz="1800" dirty="0">
+                <a:solidFill>
+                  <a:srgbClr val="889B4A"/>
+                </a:solidFill>
+                <a:latin typeface="Consolas" panose="020B0609020204030204" pitchFamily="49" charset="0"/>
+              </a:rPr>
+              <a:t>Create table s (id int)</a:t>
+            </a:r>
+            <a:r>
+              <a:rPr lang="en-IN" sz="1800" dirty="0">
+                <a:solidFill>
+                  <a:srgbClr val="D3AF86"/>
+                </a:solidFill>
+                <a:latin typeface="Consolas" panose="020B0609020204030204" pitchFamily="49" charset="0"/>
+              </a:rPr>
+              <a:t>";</a:t>
+            </a:r>
+          </a:p>
+          <a:p>
+            <a:r>
+              <a:rPr lang="en-IN" sz="1800" dirty="0" smtClean="0">
+                <a:solidFill>
+                  <a:srgbClr val="7E602C"/>
                 </a:solidFill>
                 <a:latin typeface="Consolas" panose="020B0609020204030204" pitchFamily="49" charset="0"/>
               </a:rPr>
               <a:t>   mysqli_query</a:t>
             </a:r>
             <a:r>
-              <a:rPr lang="en-IN" sz="1800" i="1" dirty="0">
-                <a:solidFill>
-                  <a:srgbClr val="000000"/>
-                </a:solidFill>
-                <a:latin typeface="Consolas" panose="020B0609020204030204" pitchFamily="49" charset="0"/>
-              </a:rPr>
-              <a:t>($conn</a:t>
-            </a:r>
-            <a:r>
-              <a:rPr lang="en-IN" sz="1800" i="1" dirty="0" smtClean="0">
-                <a:solidFill>
-                  <a:srgbClr val="000000"/>
+              <a:rPr lang="en-IN" sz="1800" dirty="0">
+                <a:solidFill>
+                  <a:srgbClr val="D3AF86"/>
+                </a:solidFill>
+                <a:latin typeface="Consolas" panose="020B0609020204030204" pitchFamily="49" charset="0"/>
+              </a:rPr>
+              <a:t>($</a:t>
+            </a:r>
+            <a:r>
+              <a:rPr lang="en-IN" sz="1800" dirty="0">
+                <a:solidFill>
+                  <a:srgbClr val="DC3958"/>
+                </a:solidFill>
+                <a:latin typeface="Consolas" panose="020B0609020204030204" pitchFamily="49" charset="0"/>
+              </a:rPr>
+              <a:t>conn</a:t>
+            </a:r>
+            <a:r>
+              <a:rPr lang="en-IN" sz="1800" dirty="0">
+                <a:solidFill>
+                  <a:srgbClr val="D3AF86"/>
                 </a:solidFill>
                 <a:latin typeface="Consolas" panose="020B0609020204030204" pitchFamily="49" charset="0"/>
               </a:rPr>
               <a:t>, $</a:t>
             </a:r>
             <a:r>
-              <a:rPr lang="en-IN" sz="1800" i="1" dirty="0">
-                <a:solidFill>
-                  <a:srgbClr val="000000"/>
-                </a:solidFill>
-                <a:latin typeface="Consolas" panose="020B0609020204030204" pitchFamily="49" charset="0"/>
-              </a:rPr>
-              <a:t>sql);</a:t>
-            </a:r>
-          </a:p>
-          <a:p>
-            <a:r>
-              <a:rPr lang="en-IN" sz="1800" i="1" dirty="0" smtClean="0">
-                <a:solidFill>
-                  <a:srgbClr val="000000"/>
-                </a:solidFill>
-                <a:latin typeface="Consolas" panose="020B0609020204030204" pitchFamily="49" charset="0"/>
-              </a:rPr>
-              <a:t>   mysqli_query</a:t>
-            </a:r>
-            <a:r>
-              <a:rPr lang="en-IN" sz="1800" i="1" dirty="0">
-                <a:solidFill>
-                  <a:srgbClr val="000000"/>
+              <a:rPr lang="en-IN" sz="1800" dirty="0">
+                <a:solidFill>
+                  <a:srgbClr val="DC3958"/>
+                </a:solidFill>
+                <a:latin typeface="Consolas" panose="020B0609020204030204" pitchFamily="49" charset="0"/>
+              </a:rPr>
+              <a:t>sql</a:t>
+            </a:r>
+            <a:r>
+              <a:rPr lang="en-IN" sz="1800" dirty="0">
+                <a:solidFill>
+                  <a:srgbClr val="D3AF86"/>
+                </a:solidFill>
+                <a:latin typeface="Consolas" panose="020B0609020204030204" pitchFamily="49" charset="0"/>
+              </a:rPr>
+              <a:t>);</a:t>
+            </a:r>
+          </a:p>
+          <a:p>
+            <a:r>
+              <a:rPr lang="en-IN" sz="1800" dirty="0" smtClean="0">
+                <a:solidFill>
+                  <a:srgbClr val="7E602C"/>
+                </a:solidFill>
+                <a:latin typeface="Consolas" panose="020B0609020204030204" pitchFamily="49" charset="0"/>
+              </a:rPr>
+              <a:t>   </a:t>
+            </a:r>
+            <a:r>
+              <a:rPr lang="en-IN" sz="1800" dirty="0" smtClean="0">
+                <a:solidFill>
+                  <a:srgbClr val="D6E608"/>
+                </a:solidFill>
+                <a:latin typeface="Consolas" panose="020B0609020204030204" pitchFamily="49" charset="0"/>
+              </a:rPr>
+              <a:t>// </a:t>
+            </a:r>
+            <a:r>
+              <a:rPr lang="en-IN" sz="1800" dirty="0" smtClean="0">
+                <a:solidFill>
+                  <a:srgbClr val="7E602C"/>
+                </a:solidFill>
+                <a:latin typeface="Consolas" panose="020B0609020204030204" pitchFamily="49" charset="0"/>
+              </a:rPr>
+              <a:t>mysqli_query</a:t>
+            </a:r>
+            <a:r>
+              <a:rPr lang="en-IN" sz="1800" dirty="0">
+                <a:solidFill>
+                  <a:srgbClr val="D3AF86"/>
                 </a:solidFill>
                 <a:latin typeface="Consolas" panose="020B0609020204030204" pitchFamily="49" charset="0"/>
               </a:rPr>
               <a:t>($</a:t>
             </a:r>
             <a:r>
-              <a:rPr lang="en-IN" sz="1800" i="1" dirty="0" smtClean="0">
-                <a:solidFill>
-                  <a:srgbClr val="000000"/>
-                </a:solidFill>
-                <a:latin typeface="Consolas" panose="020B0609020204030204" pitchFamily="49" charset="0"/>
-              </a:rPr>
-              <a:t>conn, </a:t>
-            </a:r>
-            <a:r>
-              <a:rPr lang="en-IN" sz="1800" i="1" dirty="0" smtClean="0">
-                <a:solidFill>
-                  <a:srgbClr val="0000C0"/>
-                </a:solidFill>
-                <a:latin typeface="Consolas" panose="020B0609020204030204" pitchFamily="49" charset="0"/>
-              </a:rPr>
-              <a:t>"insert </a:t>
-            </a:r>
-            <a:r>
-              <a:rPr lang="en-IN" sz="1800" i="1" dirty="0">
-                <a:solidFill>
-                  <a:srgbClr val="0000C0"/>
-                </a:solidFill>
-                <a:latin typeface="Consolas" panose="020B0609020204030204" pitchFamily="49" charset="0"/>
-              </a:rPr>
-              <a:t>into s values(1), (2), (3)"</a:t>
-            </a:r>
-            <a:r>
-              <a:rPr lang="en-IN" sz="1800" i="1" dirty="0">
-                <a:solidFill>
-                  <a:srgbClr val="000000"/>
+              <a:rPr lang="en-IN" sz="1800" dirty="0">
+                <a:solidFill>
+                  <a:srgbClr val="DC3958"/>
+                </a:solidFill>
+                <a:latin typeface="Consolas" panose="020B0609020204030204" pitchFamily="49" charset="0"/>
+              </a:rPr>
+              <a:t>conn</a:t>
+            </a:r>
+            <a:r>
+              <a:rPr lang="en-IN" sz="1800" dirty="0">
+                <a:solidFill>
+                  <a:srgbClr val="D3AF86"/>
+                </a:solidFill>
+                <a:latin typeface="Consolas" panose="020B0609020204030204" pitchFamily="49" charset="0"/>
+              </a:rPr>
+              <a:t>, "</a:t>
+            </a:r>
+            <a:r>
+              <a:rPr lang="en-IN" sz="1800" dirty="0">
+                <a:solidFill>
+                  <a:srgbClr val="889B4A"/>
+                </a:solidFill>
+                <a:latin typeface="Consolas" panose="020B0609020204030204" pitchFamily="49" charset="0"/>
+              </a:rPr>
+              <a:t>insert into s values(1), (2), (3)</a:t>
+            </a:r>
+            <a:r>
+              <a:rPr lang="en-IN" sz="1800" dirty="0">
+                <a:solidFill>
+                  <a:srgbClr val="D3AF86"/>
+                </a:solidFill>
+                <a:latin typeface="Consolas" panose="020B0609020204030204" pitchFamily="49" charset="0"/>
+              </a:rPr>
+              <a:t>");</a:t>
+            </a:r>
+          </a:p>
+          <a:p>
+            <a:r>
+              <a:rPr lang="en-IN" sz="1800" dirty="0" smtClean="0">
+                <a:solidFill>
+                  <a:srgbClr val="7E602C"/>
+                </a:solidFill>
+                <a:latin typeface="Consolas" panose="020B0609020204030204" pitchFamily="49" charset="0"/>
+              </a:rPr>
+              <a:t>   </a:t>
+            </a:r>
+            <a:r>
+              <a:rPr lang="en-IN" sz="1800" dirty="0">
+                <a:solidFill>
+                  <a:srgbClr val="D6E608"/>
+                </a:solidFill>
+                <a:latin typeface="Consolas" panose="020B0609020204030204" pitchFamily="49" charset="0"/>
+              </a:rPr>
+              <a:t>// </a:t>
+            </a:r>
+            <a:r>
+              <a:rPr lang="en-IN" sz="1800" dirty="0" smtClean="0">
+                <a:solidFill>
+                  <a:srgbClr val="7E602C"/>
+                </a:solidFill>
+                <a:latin typeface="Consolas" panose="020B0609020204030204" pitchFamily="49" charset="0"/>
+              </a:rPr>
+              <a:t>mysqli_query</a:t>
+            </a:r>
+            <a:r>
+              <a:rPr lang="en-IN" sz="1800" dirty="0">
+                <a:solidFill>
+                  <a:srgbClr val="D3AF86"/>
+                </a:solidFill>
+                <a:latin typeface="Consolas" panose="020B0609020204030204" pitchFamily="49" charset="0"/>
+              </a:rPr>
+              <a:t>($</a:t>
+            </a:r>
+            <a:r>
+              <a:rPr lang="en-IN" sz="1800" dirty="0">
+                <a:solidFill>
+                  <a:srgbClr val="DC3958"/>
+                </a:solidFill>
+                <a:latin typeface="Consolas" panose="020B0609020204030204" pitchFamily="49" charset="0"/>
+              </a:rPr>
+              <a:t>conn</a:t>
+            </a:r>
+            <a:r>
+              <a:rPr lang="en-IN" sz="1800" dirty="0">
+                <a:solidFill>
+                  <a:srgbClr val="D3AF86"/>
+                </a:solidFill>
+                <a:latin typeface="Consolas" panose="020B0609020204030204" pitchFamily="49" charset="0"/>
+              </a:rPr>
+              <a:t>, "</a:t>
+            </a:r>
+            <a:r>
+              <a:rPr lang="en-IN" sz="1800" dirty="0">
+                <a:solidFill>
+                  <a:srgbClr val="889B4A"/>
+                </a:solidFill>
+                <a:latin typeface="Consolas" panose="020B0609020204030204" pitchFamily="49" charset="0"/>
+              </a:rPr>
+              <a:t>update s set id = 1001</a:t>
+            </a:r>
+            <a:r>
+              <a:rPr lang="en-IN" sz="1800" dirty="0">
+                <a:solidFill>
+                  <a:srgbClr val="D3AF86"/>
+                </a:solidFill>
+                <a:latin typeface="Consolas" panose="020B0609020204030204" pitchFamily="49" charset="0"/>
+              </a:rPr>
+              <a:t>");</a:t>
+            </a:r>
+          </a:p>
+          <a:p>
+            <a:r>
+              <a:rPr lang="en-IN" sz="1800" dirty="0" smtClean="0">
+                <a:solidFill>
+                  <a:srgbClr val="7E602C"/>
+                </a:solidFill>
+                <a:latin typeface="Consolas" panose="020B0609020204030204" pitchFamily="49" charset="0"/>
+              </a:rPr>
+              <a:t>   </a:t>
+            </a:r>
+            <a:r>
+              <a:rPr lang="en-IN" sz="1800" dirty="0" smtClean="0">
+                <a:solidFill>
+                  <a:srgbClr val="D6E608"/>
+                </a:solidFill>
+                <a:latin typeface="Consolas" panose="020B0609020204030204" pitchFamily="49" charset="0"/>
+              </a:rPr>
+              <a:t>// </a:t>
+            </a:r>
+            <a:r>
+              <a:rPr lang="en-IN" sz="1800" dirty="0" smtClean="0">
+                <a:solidFill>
+                  <a:srgbClr val="7E602C"/>
+                </a:solidFill>
+                <a:latin typeface="Consolas" panose="020B0609020204030204" pitchFamily="49" charset="0"/>
+              </a:rPr>
+              <a:t>mysqli_query</a:t>
+            </a:r>
+            <a:r>
+              <a:rPr lang="en-IN" sz="1800" dirty="0">
+                <a:solidFill>
+                  <a:srgbClr val="D3AF86"/>
+                </a:solidFill>
+                <a:latin typeface="Consolas" panose="020B0609020204030204" pitchFamily="49" charset="0"/>
+              </a:rPr>
+              <a:t>($</a:t>
+            </a:r>
+            <a:r>
+              <a:rPr lang="en-IN" sz="1800" dirty="0">
+                <a:solidFill>
+                  <a:srgbClr val="DC3958"/>
+                </a:solidFill>
+                <a:latin typeface="Consolas" panose="020B0609020204030204" pitchFamily="49" charset="0"/>
+              </a:rPr>
+              <a:t>conn</a:t>
+            </a:r>
+            <a:r>
+              <a:rPr lang="en-IN" sz="1800" dirty="0">
+                <a:solidFill>
+                  <a:srgbClr val="D3AF86"/>
+                </a:solidFill>
+                <a:latin typeface="Consolas" panose="020B0609020204030204" pitchFamily="49" charset="0"/>
+              </a:rPr>
+              <a:t>, "</a:t>
+            </a:r>
+            <a:r>
+              <a:rPr lang="en-IN" sz="1800" dirty="0">
+                <a:solidFill>
+                  <a:srgbClr val="889B4A"/>
+                </a:solidFill>
+                <a:latin typeface="Consolas" panose="020B0609020204030204" pitchFamily="49" charset="0"/>
+              </a:rPr>
+              <a:t>delete from s where id = 1001</a:t>
+            </a:r>
+            <a:r>
+              <a:rPr lang="en-IN" sz="1800" dirty="0">
+                <a:solidFill>
+                  <a:srgbClr val="D3AF86"/>
+                </a:solidFill>
+                <a:latin typeface="Consolas" panose="020B0609020204030204" pitchFamily="49" charset="0"/>
+              </a:rPr>
+              <a:t>");</a:t>
+            </a:r>
+          </a:p>
+          <a:p>
+            <a:r>
+              <a:rPr lang="en-IN" sz="1800" dirty="0" smtClean="0">
+                <a:solidFill>
+                  <a:srgbClr val="7E602C"/>
+                </a:solidFill>
+                <a:latin typeface="Consolas" panose="020B0609020204030204" pitchFamily="49" charset="0"/>
+              </a:rPr>
+              <a:t>   mysqli_close</a:t>
+            </a:r>
+            <a:r>
+              <a:rPr lang="en-IN" sz="1800" dirty="0">
+                <a:solidFill>
+                  <a:srgbClr val="D3AF86"/>
+                </a:solidFill>
+                <a:latin typeface="Consolas" panose="020B0609020204030204" pitchFamily="49" charset="0"/>
+              </a:rPr>
+              <a:t>($</a:t>
+            </a:r>
+            <a:r>
+              <a:rPr lang="en-IN" sz="1800" dirty="0">
+                <a:solidFill>
+                  <a:srgbClr val="DC3958"/>
+                </a:solidFill>
+                <a:latin typeface="Consolas" panose="020B0609020204030204" pitchFamily="49" charset="0"/>
+              </a:rPr>
+              <a:t>conn</a:t>
+            </a:r>
+            <a:r>
+              <a:rPr lang="en-IN" sz="1800" dirty="0">
+                <a:solidFill>
+                  <a:srgbClr val="D3AF86"/>
                 </a:solidFill>
                 <a:latin typeface="Consolas" panose="020B0609020204030204" pitchFamily="49" charset="0"/>
               </a:rPr>
@@ -30286,35 +30724,21 @@
           </a:p>
           <a:p>
             <a:r>
-              <a:rPr lang="en-IN" sz="1800" i="1" dirty="0" smtClean="0">
-                <a:solidFill>
-                  <a:srgbClr val="000000"/>
-                </a:solidFill>
-                <a:latin typeface="Consolas" panose="020B0609020204030204" pitchFamily="49" charset="0"/>
-              </a:rPr>
-              <a:t>   mysqli_close</a:t>
-            </a:r>
-            <a:r>
-              <a:rPr lang="en-IN" sz="1800" i="1" dirty="0">
-                <a:solidFill>
-                  <a:srgbClr val="000000"/>
-                </a:solidFill>
-                <a:latin typeface="Consolas" panose="020B0609020204030204" pitchFamily="49" charset="0"/>
-              </a:rPr>
-              <a:t>($conn);</a:t>
-            </a:r>
-          </a:p>
-          <a:p>
-            <a:r>
-              <a:rPr lang="en-IN" sz="1800" dirty="0">
-                <a:solidFill>
-                  <a:srgbClr val="FF0000"/>
+              <a:rPr lang="en-IN" sz="1800" dirty="0">
+                <a:solidFill>
+                  <a:srgbClr val="088649"/>
                 </a:solidFill>
                 <a:latin typeface="Consolas" panose="020B0609020204030204" pitchFamily="49" charset="0"/>
               </a:rPr>
               <a:t>?&gt;</a:t>
             </a:r>
-            <a:endParaRPr lang="en-IN" sz="1800" dirty="0"/>
+            <a:endParaRPr lang="en-IN" sz="1800" b="0" dirty="0">
+              <a:solidFill>
+                <a:srgbClr val="D3AF86"/>
+              </a:solidFill>
+              <a:effectLst/>
+              <a:latin typeface="Consolas" panose="020B0609020204030204" pitchFamily="49" charset="0"/>
+            </a:endParaRPr>
           </a:p>
         </p:txBody>
       </p:sp>
@@ -30619,14 +31043,14 @@
       </p:sp>
       <p:sp>
         <p:nvSpPr>
-          <p:cNvPr id="4" name="Rectangle 3"/>
+          <p:cNvPr id="7" name="Rectangle 6"/>
           <p:cNvSpPr/>
           <p:nvPr/>
         </p:nvSpPr>
         <p:spPr>
           <a:xfrm>
-            <a:off x="152400" y="2971800"/>
-            <a:ext cx="8839200" cy="1200329"/>
+            <a:off x="152400" y="2861608"/>
+            <a:ext cx="8839200" cy="1261884"/>
           </a:xfrm>
           <a:prstGeom prst="rect">
             <a:avLst/>
@@ -30639,128 +31063,134 @@
           <a:lstStyle/>
           <a:p>
             <a:r>
-              <a:rPr lang="en-IN" sz="1800" dirty="0">
-                <a:solidFill>
-                  <a:srgbClr val="FF0000"/>
+              <a:rPr lang="en-IN" sz="1900" dirty="0">
+                <a:solidFill>
+                  <a:srgbClr val="088649"/>
                 </a:solidFill>
                 <a:latin typeface="Consolas" panose="020B0609020204030204" pitchFamily="49" charset="0"/>
               </a:rPr>
               <a:t>&lt;?php</a:t>
             </a:r>
-          </a:p>
-          <a:p>
-            <a:r>
-              <a:rPr lang="en-IN" sz="1800" dirty="0" smtClean="0">
-                <a:solidFill>
-                  <a:srgbClr val="000000"/>
+            <a:endParaRPr lang="en-IN" sz="1900" dirty="0">
+              <a:solidFill>
+                <a:srgbClr val="D3AF86"/>
+              </a:solidFill>
+              <a:latin typeface="Consolas" panose="020B0609020204030204" pitchFamily="49" charset="0"/>
+            </a:endParaRPr>
+          </a:p>
+          <a:p>
+            <a:r>
+              <a:rPr lang="en-IN" sz="1900" dirty="0" smtClean="0">
+                <a:solidFill>
+                  <a:srgbClr val="D3AF86"/>
                 </a:solidFill>
                 <a:latin typeface="Consolas" panose="020B0609020204030204" pitchFamily="49" charset="0"/>
               </a:rPr>
               <a:t>   $</a:t>
             </a:r>
             <a:r>
-              <a:rPr lang="en-IN" sz="1800" dirty="0">
-                <a:solidFill>
-                  <a:srgbClr val="000000"/>
-                </a:solidFill>
-                <a:latin typeface="Consolas" panose="020B0609020204030204" pitchFamily="49" charset="0"/>
-              </a:rPr>
-              <a:t>conn = </a:t>
-            </a:r>
-            <a:r>
-              <a:rPr lang="en-IN" sz="1800" i="1" dirty="0">
-                <a:solidFill>
-                  <a:srgbClr val="000000"/>
-                </a:solidFill>
-                <a:latin typeface="Consolas" panose="020B0609020204030204" pitchFamily="49" charset="0"/>
-              </a:rPr>
-              <a:t>mysqli_connect(</a:t>
-            </a:r>
-            <a:r>
-              <a:rPr lang="en-IN" sz="1800" i="1" dirty="0">
-                <a:solidFill>
-                  <a:srgbClr val="0000C0"/>
-                </a:solidFill>
-                <a:latin typeface="Consolas" panose="020B0609020204030204" pitchFamily="49" charset="0"/>
-              </a:rPr>
-              <a:t>"localhost"</a:t>
-            </a:r>
-            <a:r>
-              <a:rPr lang="en-IN" sz="1800" i="1" dirty="0">
-                <a:solidFill>
-                  <a:srgbClr val="000000"/>
-                </a:solidFill>
-                <a:latin typeface="Consolas" panose="020B0609020204030204" pitchFamily="49" charset="0"/>
-              </a:rPr>
-              <a:t>, </a:t>
-            </a:r>
-            <a:r>
-              <a:rPr lang="en-IN" sz="1800" i="1" dirty="0">
-                <a:solidFill>
-                  <a:srgbClr val="0000C0"/>
-                </a:solidFill>
-                <a:latin typeface="Consolas" panose="020B0609020204030204" pitchFamily="49" charset="0"/>
-              </a:rPr>
-              <a:t>"root"</a:t>
-            </a:r>
-            <a:r>
-              <a:rPr lang="en-IN" sz="1800" i="1" dirty="0">
-                <a:solidFill>
-                  <a:srgbClr val="000000"/>
-                </a:solidFill>
-                <a:latin typeface="Consolas" panose="020B0609020204030204" pitchFamily="49" charset="0"/>
-              </a:rPr>
-              <a:t>, </a:t>
-            </a:r>
-            <a:r>
-              <a:rPr lang="en-IN" sz="1800" i="1" dirty="0">
-                <a:solidFill>
-                  <a:srgbClr val="0000C0"/>
-                </a:solidFill>
-                <a:latin typeface="Consolas" panose="020B0609020204030204" pitchFamily="49" charset="0"/>
-              </a:rPr>
-              <a:t>""</a:t>
-            </a:r>
-            <a:r>
-              <a:rPr lang="en-IN" sz="1800" i="1" dirty="0">
-                <a:solidFill>
-                  <a:srgbClr val="000000"/>
-                </a:solidFill>
-                <a:latin typeface="Consolas" panose="020B0609020204030204" pitchFamily="49" charset="0"/>
-              </a:rPr>
-              <a:t>, </a:t>
-            </a:r>
-            <a:r>
-              <a:rPr lang="en-IN" sz="1800" i="1" dirty="0">
-                <a:solidFill>
-                  <a:srgbClr val="0000C0"/>
-                </a:solidFill>
-                <a:latin typeface="Consolas" panose="020B0609020204030204" pitchFamily="49" charset="0"/>
-              </a:rPr>
-              <a:t>"user01"</a:t>
-            </a:r>
-            <a:r>
-              <a:rPr lang="en-IN" sz="1800" i="1" dirty="0">
-                <a:solidFill>
-                  <a:srgbClr val="000000"/>
-                </a:solidFill>
-                <a:latin typeface="Consolas" panose="020B0609020204030204" pitchFamily="49" charset="0"/>
-              </a:rPr>
-              <a:t>, </a:t>
-            </a:r>
-            <a:r>
-              <a:rPr lang="en-IN" sz="1800" i="1" dirty="0">
-                <a:solidFill>
-                  <a:srgbClr val="0000C0"/>
+              <a:rPr lang="en-IN" sz="1900" dirty="0">
+                <a:solidFill>
+                  <a:srgbClr val="DC3958"/>
+                </a:solidFill>
+                <a:latin typeface="Consolas" panose="020B0609020204030204" pitchFamily="49" charset="0"/>
+              </a:rPr>
+              <a:t>conn</a:t>
+            </a:r>
+            <a:r>
+              <a:rPr lang="en-IN" sz="1900" dirty="0">
+                <a:solidFill>
+                  <a:srgbClr val="D3AF86"/>
+                </a:solidFill>
+                <a:latin typeface="Consolas" panose="020B0609020204030204" pitchFamily="49" charset="0"/>
+              </a:rPr>
+              <a:t> = </a:t>
+            </a:r>
+            <a:r>
+              <a:rPr lang="en-IN" sz="1900" dirty="0">
+                <a:solidFill>
+                  <a:srgbClr val="7E602C"/>
+                </a:solidFill>
+                <a:latin typeface="Consolas" panose="020B0609020204030204" pitchFamily="49" charset="0"/>
+              </a:rPr>
+              <a:t>mysqli_connect</a:t>
+            </a:r>
+            <a:r>
+              <a:rPr lang="en-IN" sz="1900" dirty="0">
+                <a:solidFill>
+                  <a:srgbClr val="D3AF86"/>
+                </a:solidFill>
+                <a:latin typeface="Consolas" panose="020B0609020204030204" pitchFamily="49" charset="0"/>
+              </a:rPr>
+              <a:t>("</a:t>
+            </a:r>
+            <a:r>
+              <a:rPr lang="en-IN" sz="1900" dirty="0">
+                <a:solidFill>
+                  <a:srgbClr val="889B4A"/>
+                </a:solidFill>
+                <a:latin typeface="Consolas" panose="020B0609020204030204" pitchFamily="49" charset="0"/>
+              </a:rPr>
+              <a:t>localhost</a:t>
+            </a:r>
+            <a:r>
+              <a:rPr lang="en-IN" sz="1900" dirty="0" smtClean="0">
+                <a:solidFill>
+                  <a:srgbClr val="D3AF86"/>
+                </a:solidFill>
+                <a:latin typeface="Consolas" panose="020B0609020204030204" pitchFamily="49" charset="0"/>
+              </a:rPr>
+              <a:t>","</a:t>
+            </a:r>
+            <a:r>
+              <a:rPr lang="en-IN" sz="1900" dirty="0">
+                <a:solidFill>
+                  <a:srgbClr val="889B4A"/>
+                </a:solidFill>
+                <a:latin typeface="Consolas" panose="020B0609020204030204" pitchFamily="49" charset="0"/>
+              </a:rPr>
+              <a:t>root</a:t>
+            </a:r>
+            <a:r>
+              <a:rPr lang="en-IN" sz="1900" dirty="0" smtClean="0">
+                <a:solidFill>
+                  <a:srgbClr val="D3AF86"/>
+                </a:solidFill>
+                <a:latin typeface="Consolas" panose="020B0609020204030204" pitchFamily="49" charset="0"/>
+              </a:rPr>
+              <a:t>","","</a:t>
+            </a:r>
+            <a:r>
+              <a:rPr lang="en-IN" sz="1900" dirty="0">
+                <a:solidFill>
+                  <a:srgbClr val="889B4A"/>
+                </a:solidFill>
+                <a:latin typeface="Consolas" panose="020B0609020204030204" pitchFamily="49" charset="0"/>
+              </a:rPr>
+              <a:t>user01</a:t>
+            </a:r>
+            <a:r>
+              <a:rPr lang="en-IN" sz="1900" dirty="0">
+                <a:solidFill>
+                  <a:srgbClr val="D3AF86"/>
+                </a:solidFill>
+                <a:latin typeface="Consolas" panose="020B0609020204030204" pitchFamily="49" charset="0"/>
+              </a:rPr>
+              <a:t>", </a:t>
+            </a:r>
+            <a:r>
+              <a:rPr lang="en-IN" sz="1900" dirty="0">
+                <a:solidFill>
+                  <a:srgbClr val="F79A32"/>
                 </a:solidFill>
                 <a:latin typeface="Consolas" panose="020B0609020204030204" pitchFamily="49" charset="0"/>
               </a:rPr>
               <a:t>3306</a:t>
             </a:r>
             <a:r>
-              <a:rPr lang="en-IN" sz="1800" i="1" dirty="0">
-                <a:solidFill>
-                  <a:srgbClr val="000000"/>
+              <a:rPr lang="en-IN" sz="1900" dirty="0">
+                <a:solidFill>
+                  <a:srgbClr val="D3AF86"/>
                 </a:solidFill>
                 <a:latin typeface="Consolas" panose="020B0609020204030204" pitchFamily="49" charset="0"/>
               </a:rPr>
@@ -30769,35 +31199,59 @@
           </a:p>
           <a:p>
             <a:r>
-              <a:rPr lang="en-IN" sz="1800" i="1" dirty="0" smtClean="0">
-                <a:solidFill>
-                  <a:srgbClr val="000000"/>
+              <a:rPr lang="en-IN" sz="1900" dirty="0" smtClean="0">
+                <a:solidFill>
+                  <a:srgbClr val="7E602C"/>
                 </a:solidFill>
                 <a:latin typeface="Consolas" panose="020B0609020204030204" pitchFamily="49" charset="0"/>
               </a:rPr>
               <a:t>   mysqli_close</a:t>
             </a:r>
             <a:r>
-              <a:rPr lang="en-IN" sz="1800" i="1" dirty="0">
-                <a:solidFill>
-                  <a:srgbClr val="000000"/>
-                </a:solidFill>
-                <a:latin typeface="Consolas" panose="020B0609020204030204" pitchFamily="49" charset="0"/>
-              </a:rPr>
-              <a:t>($conn);</a:t>
-            </a:r>
-          </a:p>
-          <a:p>
-            <a:r>
-              <a:rPr lang="en-IN" sz="1800" dirty="0">
-                <a:solidFill>
-                  <a:srgbClr val="FF0000"/>
+              <a:rPr lang="en-IN" sz="1900" dirty="0">
+                <a:solidFill>
+                  <a:srgbClr val="D3AF86"/>
+                </a:solidFill>
+                <a:latin typeface="Consolas" panose="020B0609020204030204" pitchFamily="49" charset="0"/>
+              </a:rPr>
+              <a:t>($</a:t>
+            </a:r>
+            <a:r>
+              <a:rPr lang="en-IN" sz="1900" dirty="0">
+                <a:solidFill>
+                  <a:srgbClr val="DC3958"/>
+                </a:solidFill>
+                <a:latin typeface="Consolas" panose="020B0609020204030204" pitchFamily="49" charset="0"/>
+              </a:rPr>
+              <a:t>conn</a:t>
+            </a:r>
+            <a:r>
+              <a:rPr lang="en-IN" sz="1900" dirty="0">
+                <a:solidFill>
+                  <a:srgbClr val="D3AF86"/>
+                </a:solidFill>
+                <a:latin typeface="Consolas" panose="020B0609020204030204" pitchFamily="49" charset="0"/>
+              </a:rPr>
+              <a:t>);</a:t>
+            </a:r>
+          </a:p>
+          <a:p>
+            <a:r>
+              <a:rPr lang="en-IN" sz="1900" dirty="0">
+                <a:solidFill>
+                  <a:srgbClr val="088649"/>
                 </a:solidFill>
                 <a:latin typeface="Consolas" panose="020B0609020204030204" pitchFamily="49" charset="0"/>
               </a:rPr>
               <a:t>?&gt;</a:t>
             </a:r>
-            <a:endParaRPr lang="en-IN" sz="1800" dirty="0"/>
+            <a:endParaRPr lang="en-IN" sz="1900" b="0" dirty="0">
+              <a:solidFill>
+                <a:srgbClr val="D3AF86"/>
+              </a:solidFill>
+              <a:effectLst/>
+              <a:latin typeface="Consolas" panose="020B0609020204030204" pitchFamily="49" charset="0"/>
+            </a:endParaRPr>
           </a:p>
         </p:txBody>
       </p:sp>
@@ -31685,6 +32139,9 @@
           <a:p>
             <a:r>
               <a:rPr lang="en-IN" sz="2000" i="1" dirty="0" smtClean="0">
+                <a:solidFill>
+                  <a:srgbClr val="D6E608"/>
+                </a:solidFill>
                 <a:latin typeface="Consolas" panose="020B0609020204030204" pitchFamily="49" charset="0"/>
               </a:rPr>
               <a:t>functions.php</a:t>
@@ -32197,6 +32654,9 @@
           <a:p>
             <a:r>
               <a:rPr lang="en-IN" sz="2000" i="1" dirty="0" smtClean="0">
+                <a:solidFill>
+                  <a:srgbClr val="D6E608"/>
+                </a:solidFill>
                 <a:latin typeface="Consolas" panose="020B0609020204030204" pitchFamily="49" charset="0"/>
               </a:rPr>
               <a:t>index.php</a:t>
@@ -32812,14 +33272,14 @@
       </p:sp>
       <p:sp>
         <p:nvSpPr>
-          <p:cNvPr id="9" name="Rectangle 8"/>
+          <p:cNvPr id="4" name="Rectangle 3"/>
           <p:cNvSpPr/>
           <p:nvPr/>
         </p:nvSpPr>
         <p:spPr>
           <a:xfrm>
-            <a:off x="197426" y="2895600"/>
-            <a:ext cx="8717973" cy="1200329"/>
+            <a:off x="152400" y="2819400"/>
+            <a:ext cx="6324600" cy="1323439"/>
           </a:xfrm>
           <a:prstGeom prst="rect">
             <a:avLst/>
@@ -32832,120 +33292,150 @@
           <a:lstStyle/>
           <a:p>
             <a:r>
-              <a:rPr lang="en-IN" sz="1800" dirty="0">
-                <a:solidFill>
-                  <a:srgbClr val="FF0000"/>
+              <a:rPr lang="en-IN" sz="2000" dirty="0">
+                <a:solidFill>
+                  <a:srgbClr val="088649"/>
                 </a:solidFill>
                 <a:latin typeface="Consolas" panose="020B0609020204030204" pitchFamily="49" charset="0"/>
               </a:rPr>
               <a:t>&lt;?php</a:t>
             </a:r>
-          </a:p>
-          <a:p>
-            <a:r>
-              <a:rPr lang="en-IN" sz="1800" b="1" dirty="0" smtClean="0">
-                <a:solidFill>
-                  <a:srgbClr val="7F0055"/>
-                </a:solidFill>
-                <a:latin typeface="Consolas" panose="020B0609020204030204" pitchFamily="49" charset="0"/>
-              </a:rPr>
-              <a:t>  require </a:t>
-            </a:r>
-            <a:r>
-              <a:rPr lang="en-IN" sz="1800" b="1" dirty="0">
-                <a:solidFill>
-                  <a:srgbClr val="0000C0"/>
-                </a:solidFill>
-                <a:latin typeface="Consolas" panose="020B0609020204030204" pitchFamily="49" charset="0"/>
-              </a:rPr>
-              <a:t>'header.html'</a:t>
-            </a:r>
-            <a:r>
-              <a:rPr lang="en-IN" sz="1800" b="1" dirty="0">
-                <a:solidFill>
-                  <a:srgbClr val="000000"/>
-                </a:solidFill>
-                <a:latin typeface="Consolas" panose="020B0609020204030204" pitchFamily="49" charset="0"/>
-              </a:rPr>
-              <a:t>;</a:t>
-            </a:r>
-          </a:p>
-          <a:p>
-            <a:r>
-              <a:rPr lang="en-IN" sz="1800" dirty="0">
-                <a:solidFill>
-                  <a:srgbClr val="000000"/>
+            <a:endParaRPr lang="en-IN" sz="2000" dirty="0">
+              <a:solidFill>
+                <a:srgbClr val="D3AF86"/>
+              </a:solidFill>
+              <a:latin typeface="Consolas" panose="020B0609020204030204" pitchFamily="49" charset="0"/>
+            </a:endParaRPr>
+          </a:p>
+          <a:p>
+            <a:r>
+              <a:rPr lang="en-IN" sz="2000" dirty="0" smtClean="0">
+                <a:solidFill>
+                  <a:srgbClr val="98676A"/>
+                </a:solidFill>
+                <a:latin typeface="Consolas" panose="020B0609020204030204" pitchFamily="49" charset="0"/>
+              </a:rPr>
+              <a:t>   require</a:t>
+            </a:r>
+            <a:r>
+              <a:rPr lang="en-IN" sz="2000" dirty="0" smtClean="0">
+                <a:solidFill>
+                  <a:srgbClr val="D3AF86"/>
                 </a:solidFill>
                 <a:latin typeface="Consolas" panose="020B0609020204030204" pitchFamily="49" charset="0"/>
               </a:rPr>
               <a:t> </a:t>
             </a:r>
             <a:r>
-              <a:rPr lang="en-IN" sz="1800" dirty="0" smtClean="0">
-                <a:solidFill>
-                  <a:srgbClr val="000000"/>
+              <a:rPr lang="en-IN" sz="2000" dirty="0">
+                <a:solidFill>
+                  <a:srgbClr val="D3AF86"/>
+                </a:solidFill>
+                <a:latin typeface="Consolas" panose="020B0609020204030204" pitchFamily="49" charset="0"/>
+              </a:rPr>
+              <a:t>'</a:t>
+            </a:r>
+            <a:r>
+              <a:rPr lang="en-IN" sz="2000" dirty="0">
+                <a:solidFill>
+                  <a:srgbClr val="889B4A"/>
+                </a:solidFill>
+                <a:latin typeface="Consolas" panose="020B0609020204030204" pitchFamily="49" charset="0"/>
+              </a:rPr>
+              <a:t>header.html</a:t>
+            </a:r>
+            <a:r>
+              <a:rPr lang="en-IN" sz="2000" dirty="0">
+                <a:solidFill>
+                  <a:srgbClr val="D3AF86"/>
+                </a:solidFill>
+                <a:latin typeface="Consolas" panose="020B0609020204030204" pitchFamily="49" charset="0"/>
+              </a:rPr>
+              <a:t>';</a:t>
+            </a:r>
+          </a:p>
+          <a:p>
+            <a:r>
+              <a:rPr lang="en-IN" sz="2000" dirty="0" smtClean="0">
+                <a:solidFill>
+                  <a:srgbClr val="7E602C"/>
+                </a:solidFill>
+                <a:latin typeface="Consolas" panose="020B0609020204030204" pitchFamily="49" charset="0"/>
+              </a:rPr>
+              <a:t>   print</a:t>
+            </a:r>
+            <a:r>
+              <a:rPr lang="en-IN" sz="2000" dirty="0" smtClean="0">
+                <a:solidFill>
+                  <a:srgbClr val="D3AF86"/>
                 </a:solidFill>
                 <a:latin typeface="Consolas" panose="020B0609020204030204" pitchFamily="49" charset="0"/>
               </a:rPr>
               <a:t> </a:t>
             </a:r>
             <a:r>
-              <a:rPr lang="en-IN" sz="1800" b="1" dirty="0" smtClean="0">
-                <a:solidFill>
-                  <a:srgbClr val="7F0055"/>
-                </a:solidFill>
-                <a:latin typeface="Consolas" panose="020B0609020204030204" pitchFamily="49" charset="0"/>
-              </a:rPr>
-              <a:t>print </a:t>
-            </a:r>
-            <a:r>
-              <a:rPr lang="en-IN" sz="1800" b="1" dirty="0">
-                <a:solidFill>
-                  <a:srgbClr val="000000"/>
+              <a:rPr lang="en-IN" sz="2000" dirty="0">
+                <a:solidFill>
+                  <a:srgbClr val="D3AF86"/>
                 </a:solidFill>
                 <a:latin typeface="Consolas" panose="020B0609020204030204" pitchFamily="49" charset="0"/>
               </a:rPr>
               <a:t>(</a:t>
             </a:r>
             <a:r>
-              <a:rPr lang="en-IN" sz="1800" b="1" i="1" dirty="0">
-                <a:solidFill>
-                  <a:srgbClr val="000000"/>
-                </a:solidFill>
-                <a:latin typeface="Consolas" panose="020B0609020204030204" pitchFamily="49" charset="0"/>
-              </a:rPr>
-              <a:t>readfile(</a:t>
-            </a:r>
-            <a:r>
-              <a:rPr lang="en-IN" sz="1800" b="1" i="1" dirty="0">
-                <a:solidFill>
-                  <a:srgbClr val="0000C0"/>
-                </a:solidFill>
-                <a:latin typeface="Consolas" panose="020B0609020204030204" pitchFamily="49" charset="0"/>
-              </a:rPr>
-              <a:t>'s.txt'</a:t>
-            </a:r>
-            <a:r>
-              <a:rPr lang="en-IN" sz="1800" b="1" i="1" dirty="0">
-                <a:solidFill>
-                  <a:srgbClr val="000000"/>
-                </a:solidFill>
-                <a:latin typeface="Consolas" panose="020B0609020204030204" pitchFamily="49" charset="0"/>
-              </a:rPr>
-              <a:t>));</a:t>
-            </a:r>
-          </a:p>
-          <a:p>
-            <a:r>
-              <a:rPr lang="en-IN" sz="1800" dirty="0">
-                <a:solidFill>
-                  <a:srgbClr val="FF0000"/>
+              <a:rPr lang="en-IN" sz="2000" dirty="0">
+                <a:solidFill>
+                  <a:srgbClr val="7E602C"/>
+                </a:solidFill>
+                <a:latin typeface="Consolas" panose="020B0609020204030204" pitchFamily="49" charset="0"/>
+              </a:rPr>
+              <a:t>readfile</a:t>
+            </a:r>
+            <a:r>
+              <a:rPr lang="en-IN" sz="2000" dirty="0">
+                <a:solidFill>
+                  <a:srgbClr val="D3AF86"/>
+                </a:solidFill>
+                <a:latin typeface="Consolas" panose="020B0609020204030204" pitchFamily="49" charset="0"/>
+              </a:rPr>
+              <a:t>('</a:t>
+            </a:r>
+            <a:r>
+              <a:rPr lang="en-IN" sz="2000" dirty="0">
+                <a:solidFill>
+                  <a:srgbClr val="889B4A"/>
+                </a:solidFill>
+                <a:latin typeface="Consolas" panose="020B0609020204030204" pitchFamily="49" charset="0"/>
+              </a:rPr>
+              <a:t>s.txt</a:t>
+            </a:r>
+            <a:r>
+              <a:rPr lang="en-IN" sz="2000" dirty="0">
+                <a:solidFill>
+                  <a:srgbClr val="D3AF86"/>
+                </a:solidFill>
+                <a:latin typeface="Consolas" panose="020B0609020204030204" pitchFamily="49" charset="0"/>
+              </a:rPr>
+              <a:t>'));</a:t>
+            </a:r>
+          </a:p>
+          <a:p>
+            <a:r>
+              <a:rPr lang="en-IN" sz="2000" dirty="0">
+                <a:solidFill>
+                  <a:srgbClr val="088649"/>
                 </a:solidFill>
                 <a:latin typeface="Consolas" panose="020B0609020204030204" pitchFamily="49" charset="0"/>
               </a:rPr>
               <a:t>?&gt;</a:t>
             </a:r>
-            <a:endParaRPr lang="en-IN" sz="1800" dirty="0"/>
+            <a:endParaRPr lang="en-IN" sz="2000" b="0" dirty="0">
+              <a:solidFill>
+                <a:srgbClr val="D3AF86"/>
+              </a:solidFill>
+              <a:effectLst/>
+              <a:latin typeface="Consolas" panose="020B0609020204030204" pitchFamily="49" charset="0"/>
+            </a:endParaRPr>
           </a:p>
         </p:txBody>
       </p:sp>
